--- a/Coding Tests/TrainRideDemo/A SOLID ride with .NET Design Patterns.pptx
+++ b/Coding Tests/TrainRideDemo/A SOLID ride with .NET Design Patterns.pptx
@@ -6,23 +6,27 @@
     <p:sldMasterId id="2147483660" r:id="rId2"/>
   </p:sldMasterIdLst>
   <p:notesMasterIdLst>
-    <p:notesMasterId r:id="rId17"/>
+    <p:notesMasterId r:id="rId21"/>
   </p:notesMasterIdLst>
   <p:sldIdLst>
     <p:sldId id="256" r:id="rId3"/>
-    <p:sldId id="257" r:id="rId4"/>
-    <p:sldId id="258" r:id="rId5"/>
-    <p:sldId id="259" r:id="rId6"/>
-    <p:sldId id="260" r:id="rId7"/>
-    <p:sldId id="261" r:id="rId8"/>
-    <p:sldId id="262" r:id="rId9"/>
-    <p:sldId id="263" r:id="rId10"/>
-    <p:sldId id="264" r:id="rId11"/>
-    <p:sldId id="265" r:id="rId12"/>
-    <p:sldId id="266" r:id="rId13"/>
-    <p:sldId id="267" r:id="rId14"/>
-    <p:sldId id="268" r:id="rId15"/>
-    <p:sldId id="269" r:id="rId16"/>
+    <p:sldId id="273" r:id="rId4"/>
+    <p:sldId id="257" r:id="rId5"/>
+    <p:sldId id="258" r:id="rId6"/>
+    <p:sldId id="259" r:id="rId7"/>
+    <p:sldId id="260" r:id="rId8"/>
+    <p:sldId id="261" r:id="rId9"/>
+    <p:sldId id="262" r:id="rId10"/>
+    <p:sldId id="263" r:id="rId11"/>
+    <p:sldId id="264" r:id="rId12"/>
+    <p:sldId id="265" r:id="rId13"/>
+    <p:sldId id="266" r:id="rId14"/>
+    <p:sldId id="267" r:id="rId15"/>
+    <p:sldId id="268" r:id="rId16"/>
+    <p:sldId id="270" r:id="rId17"/>
+    <p:sldId id="271" r:id="rId18"/>
+    <p:sldId id="272" r:id="rId19"/>
+    <p:sldId id="269" r:id="rId20"/>
   </p:sldIdLst>
   <p:sldSz cx="12192000" cy="6858000"/>
   <p:notesSz cx="6858000" cy="9144000"/>
@@ -211,7 +215,7 @@
           <a:p>
             <a:fld id="{0373D213-4F49-4C53-8915-AB6A82B09193}" type="datetimeFigureOut">
               <a:rPr lang="en-GB" smtClean="0"/>
-              <a:t>09/03/2019</a:t>
+              <a:t>25/03/2019</a:t>
             </a:fld>
             <a:endParaRPr lang="en-GB"/>
           </a:p>
@@ -712,7 +716,7 @@
           <a:p>
             <a:fld id="{AA15CCEC-4B94-4379-BA39-FE676EB1D694}" type="datetimeFigureOut">
               <a:rPr lang="en-GB" smtClean="0"/>
-              <a:t>09/03/2019</a:t>
+              <a:t>25/03/2019</a:t>
             </a:fld>
             <a:endParaRPr lang="en-GB"/>
           </a:p>
@@ -912,7 +916,7 @@
           <a:p>
             <a:fld id="{AA15CCEC-4B94-4379-BA39-FE676EB1D694}" type="datetimeFigureOut">
               <a:rPr lang="en-GB" smtClean="0"/>
-              <a:t>09/03/2019</a:t>
+              <a:t>25/03/2019</a:t>
             </a:fld>
             <a:endParaRPr lang="en-GB"/>
           </a:p>
@@ -1122,7 +1126,7 @@
           <a:p>
             <a:fld id="{AA15CCEC-4B94-4379-BA39-FE676EB1D694}" type="datetimeFigureOut">
               <a:rPr lang="en-GB" smtClean="0"/>
-              <a:t>09/03/2019</a:t>
+              <a:t>25/03/2019</a:t>
             </a:fld>
             <a:endParaRPr lang="en-GB"/>
           </a:p>
@@ -1382,7 +1386,7 @@
           <a:p>
             <a:fld id="{AA15CCEC-4B94-4379-BA39-FE676EB1D694}" type="datetimeFigureOut">
               <a:rPr lang="en-GB" smtClean="0"/>
-              <a:t>09/03/2019</a:t>
+              <a:t>25/03/2019</a:t>
             </a:fld>
             <a:endParaRPr lang="en-GB"/>
           </a:p>
@@ -1658,7 +1662,7 @@
           <a:p>
             <a:fld id="{AA15CCEC-4B94-4379-BA39-FE676EB1D694}" type="datetimeFigureOut">
               <a:rPr lang="en-GB" smtClean="0"/>
-              <a:t>09/03/2019</a:t>
+              <a:t>25/03/2019</a:t>
             </a:fld>
             <a:endParaRPr lang="en-GB"/>
           </a:p>
@@ -1926,7 +1930,7 @@
           <a:p>
             <a:fld id="{AA15CCEC-4B94-4379-BA39-FE676EB1D694}" type="datetimeFigureOut">
               <a:rPr lang="en-GB" smtClean="0"/>
-              <a:t>09/03/2019</a:t>
+              <a:t>25/03/2019</a:t>
             </a:fld>
             <a:endParaRPr lang="en-GB"/>
           </a:p>
@@ -2341,7 +2345,7 @@
           <a:p>
             <a:fld id="{AA15CCEC-4B94-4379-BA39-FE676EB1D694}" type="datetimeFigureOut">
               <a:rPr lang="en-GB" smtClean="0"/>
-              <a:t>09/03/2019</a:t>
+              <a:t>25/03/2019</a:t>
             </a:fld>
             <a:endParaRPr lang="en-GB"/>
           </a:p>
@@ -2483,7 +2487,7 @@
           <a:p>
             <a:fld id="{AA15CCEC-4B94-4379-BA39-FE676EB1D694}" type="datetimeFigureOut">
               <a:rPr lang="en-GB" smtClean="0"/>
-              <a:t>09/03/2019</a:t>
+              <a:t>25/03/2019</a:t>
             </a:fld>
             <a:endParaRPr lang="en-GB"/>
           </a:p>
@@ -2596,7 +2600,7 @@
           <a:p>
             <a:fld id="{AA15CCEC-4B94-4379-BA39-FE676EB1D694}" type="datetimeFigureOut">
               <a:rPr lang="en-GB" smtClean="0"/>
-              <a:t>09/03/2019</a:t>
+              <a:t>25/03/2019</a:t>
             </a:fld>
             <a:endParaRPr lang="en-GB"/>
           </a:p>
@@ -2909,7 +2913,7 @@
           <a:p>
             <a:fld id="{AA15CCEC-4B94-4379-BA39-FE676EB1D694}" type="datetimeFigureOut">
               <a:rPr lang="en-GB" smtClean="0"/>
-              <a:t>09/03/2019</a:t>
+              <a:t>25/03/2019</a:t>
             </a:fld>
             <a:endParaRPr lang="en-GB"/>
           </a:p>
@@ -3198,7 +3202,7 @@
           <a:p>
             <a:fld id="{AA15CCEC-4B94-4379-BA39-FE676EB1D694}" type="datetimeFigureOut">
               <a:rPr lang="en-GB" smtClean="0"/>
-              <a:t>09/03/2019</a:t>
+              <a:t>25/03/2019</a:t>
             </a:fld>
             <a:endParaRPr lang="en-GB"/>
           </a:p>
@@ -3441,7 +3445,7 @@
           <a:p>
             <a:fld id="{AA15CCEC-4B94-4379-BA39-FE676EB1D694}" type="datetimeFigureOut">
               <a:rPr lang="en-GB" smtClean="0"/>
-              <a:t>09/03/2019</a:t>
+              <a:t>25/03/2019</a:t>
             </a:fld>
             <a:endParaRPr lang="en-GB"/>
           </a:p>
@@ -4288,10 +4292,10 @@
   </p:clrMapOvr>
   <mc:AlternateContent xmlns:mc="http://schemas.openxmlformats.org/markup-compatibility/2006">
     <mc:Choice xmlns:p14="http://schemas.microsoft.com/office/powerpoint/2010/main" Requires="p14">
-      <p:transition spd="slow" p14:dur="2000" advTm="47913"/>
+      <p:transition spd="slow" p14:dur="2000" advTm="34723"/>
     </mc:Choice>
     <mc:Fallback>
-      <p:transition spd="slow" advTm="47913"/>
+      <p:transition spd="slow" advTm="34723"/>
     </mc:Fallback>
   </mc:AlternateContent>
 </p:sld>
@@ -4337,7 +4341,7 @@
           <a:p>
             <a:r>
               <a:rPr lang="en-GB" dirty="0"/>
-              <a:t>Test Driven Development</a:t>
+              <a:t>Dependency Injection</a:t>
             </a:r>
           </a:p>
         </p:txBody>
@@ -4365,33 +4369,27 @@
           <a:p>
             <a:r>
               <a:rPr lang="en-GB" dirty="0"/>
-              <a:t>Getting The job done</a:t>
-            </a:r>
-          </a:p>
-          <a:p>
-            <a:r>
-              <a:rPr lang="en-GB" dirty="0"/>
-              <a:t>No production code until a failing test has been wrote</a:t>
-            </a:r>
-          </a:p>
-          <a:p>
-            <a:r>
-              <a:rPr lang="en-GB" dirty="0"/>
-              <a:t>Do not write any more of a unit test than is </a:t>
+              <a:t>Using Auto </a:t>
             </a:r>
             <a:r>
               <a:rPr lang="en-GB" dirty="0" err="1"/>
-              <a:t>suficiant</a:t>
-            </a:r>
-            <a:r>
-              <a:rPr lang="en-GB" dirty="0"/>
-              <a:t> to fail</a:t>
-            </a:r>
-          </a:p>
-          <a:p>
-            <a:r>
-              <a:rPr lang="en-GB" dirty="0"/>
-              <a:t>Do not write any more production code until all the test pass</a:t>
+              <a:t>Fac</a:t>
+            </a:r>
+            <a:r>
+              <a:rPr lang="en-GB" dirty="0"/>
+              <a:t> </a:t>
+            </a:r>
+          </a:p>
+          <a:p>
+            <a:r>
+              <a:rPr lang="en-GB" dirty="0"/>
+              <a:t>Gives us full control over how we call our classes and makes code Testable</a:t>
+            </a:r>
+          </a:p>
+          <a:p>
+            <a:r>
+              <a:rPr lang="en-GB" dirty="0"/>
+              <a:t>Set it up.</a:t>
             </a:r>
           </a:p>
           <a:p>
@@ -4408,22 +4406,52 @@
           </a:p>
         </p:txBody>
       </p:sp>
+      <p:pic>
+        <p:nvPicPr>
+          <p:cNvPr id="4" name="Picture 3">
+            <a:extLst>
+              <a:ext uri="{FF2B5EF4-FFF2-40B4-BE49-F238E27FC236}">
+                <a16:creationId xmlns:a16="http://schemas.microsoft.com/office/drawing/2014/main" id="{61E69686-C13D-4B10-87F8-75C2FB9A79B5}"/>
+              </a:ext>
+            </a:extLst>
+          </p:cNvPr>
+          <p:cNvPicPr>
+            <a:picLocks noChangeAspect="1"/>
+          </p:cNvPicPr>
+          <p:nvPr/>
+        </p:nvPicPr>
+        <p:blipFill>
+          <a:blip r:embed="rId2"/>
+          <a:stretch>
+            <a:fillRect/>
+          </a:stretch>
+        </p:blipFill>
+        <p:spPr>
+          <a:xfrm>
+            <a:off x="744280" y="3872577"/>
+            <a:ext cx="8749819" cy="2859558"/>
+          </a:xfrm>
+          <a:prstGeom prst="rect">
+            <a:avLst/>
+          </a:prstGeom>
+        </p:spPr>
+      </p:pic>
     </p:spTree>
     <p:extLst>
       <p:ext uri="{BB962C8B-B14F-4D97-AF65-F5344CB8AC3E}">
-        <p14:creationId xmlns:p14="http://schemas.microsoft.com/office/powerpoint/2010/main" val="91437700"/>
+        <p14:creationId xmlns:p14="http://schemas.microsoft.com/office/powerpoint/2010/main" val="489318972"/>
       </p:ext>
     </p:extLst>
   </p:cSld>
   <p:clrMapOvr>
     <a:masterClrMapping/>
   </p:clrMapOvr>
-  <mc:AlternateContent xmlns:mc="http://schemas.openxmlformats.org/markup-compatibility/2006">
-    <mc:Choice xmlns:p14="http://schemas.microsoft.com/office/powerpoint/2010/main" Requires="p14">
-      <p:transition spd="slow" p14:dur="2000" advTm="80030"/>
+  <mc:AlternateContent xmlns:mc="http://schemas.openxmlformats.org/markup-compatibility/2006" xmlns:p14="http://schemas.microsoft.com/office/powerpoint/2010/main">
+    <mc:Choice Requires="p14">
+      <p:transition spd="slow" p14:dur="2000" advTm="21951"/>
     </mc:Choice>
-    <mc:Fallback>
-      <p:transition spd="slow" advTm="80030"/>
+    <mc:Fallback xmlns="">
+      <p:transition spd="slow" advTm="21951"/>
     </mc:Fallback>
   </mc:AlternateContent>
 </p:sld>
@@ -4451,6 +4479,130 @@
           <p:cNvPr id="2" name="Title 1">
             <a:extLst>
               <a:ext uri="{FF2B5EF4-FFF2-40B4-BE49-F238E27FC236}">
+                <a16:creationId xmlns:a16="http://schemas.microsoft.com/office/drawing/2014/main" id="{488288C9-F16A-4BBC-BF72-E6CA2FE44DA6}"/>
+              </a:ext>
+            </a:extLst>
+          </p:cNvPr>
+          <p:cNvSpPr>
+            <a:spLocks noGrp="1"/>
+          </p:cNvSpPr>
+          <p:nvPr>
+            <p:ph type="title"/>
+          </p:nvPr>
+        </p:nvSpPr>
+        <p:spPr/>
+        <p:txBody>
+          <a:bodyPr/>
+          <a:lstStyle/>
+          <a:p>
+            <a:r>
+              <a:rPr lang="en-GB" dirty="0"/>
+              <a:t>Test Driven Development</a:t>
+            </a:r>
+          </a:p>
+        </p:txBody>
+      </p:sp>
+      <p:sp>
+        <p:nvSpPr>
+          <p:cNvPr id="3" name="Content Placeholder 2">
+            <a:extLst>
+              <a:ext uri="{FF2B5EF4-FFF2-40B4-BE49-F238E27FC236}">
+                <a16:creationId xmlns:a16="http://schemas.microsoft.com/office/drawing/2014/main" id="{70217986-E5EA-4924-B7BD-4AAB2CEDC370}"/>
+              </a:ext>
+            </a:extLst>
+          </p:cNvPr>
+          <p:cNvSpPr>
+            <a:spLocks noGrp="1"/>
+          </p:cNvSpPr>
+          <p:nvPr>
+            <p:ph idx="1"/>
+          </p:nvPr>
+        </p:nvSpPr>
+        <p:spPr/>
+        <p:txBody>
+          <a:bodyPr/>
+          <a:lstStyle/>
+          <a:p>
+            <a:r>
+              <a:rPr lang="en-GB" dirty="0"/>
+              <a:t>Getting the job done</a:t>
+            </a:r>
+          </a:p>
+          <a:p>
+            <a:r>
+              <a:rPr lang="en-GB" dirty="0"/>
+              <a:t>No production code until a failing test has been wrote</a:t>
+            </a:r>
+          </a:p>
+          <a:p>
+            <a:r>
+              <a:rPr lang="en-GB" dirty="0"/>
+              <a:t>Do not write any more of a unit test than is sufficient to fail</a:t>
+            </a:r>
+          </a:p>
+          <a:p>
+            <a:r>
+              <a:rPr lang="en-GB" dirty="0"/>
+              <a:t>Do not write any more production code until all the tests pass</a:t>
+            </a:r>
+          </a:p>
+          <a:p>
+            <a:pPr marL="0" indent="0">
+              <a:buNone/>
+            </a:pPr>
+            <a:endParaRPr lang="en-GB" dirty="0"/>
+          </a:p>
+          <a:p>
+            <a:pPr marL="0" indent="0">
+              <a:buNone/>
+            </a:pPr>
+            <a:endParaRPr lang="en-GB" dirty="0"/>
+          </a:p>
+        </p:txBody>
+      </p:sp>
+    </p:spTree>
+    <p:extLst>
+      <p:ext uri="{BB962C8B-B14F-4D97-AF65-F5344CB8AC3E}">
+        <p14:creationId xmlns:p14="http://schemas.microsoft.com/office/powerpoint/2010/main" val="91437700"/>
+      </p:ext>
+    </p:extLst>
+  </p:cSld>
+  <p:clrMapOvr>
+    <a:masterClrMapping/>
+  </p:clrMapOvr>
+  <mc:AlternateContent xmlns:mc="http://schemas.openxmlformats.org/markup-compatibility/2006" xmlns:p14="http://schemas.microsoft.com/office/powerpoint/2010/main">
+    <mc:Choice Requires="p14">
+      <p:transition spd="slow" p14:dur="2000" advTm="80030"/>
+    </mc:Choice>
+    <mc:Fallback xmlns="">
+      <p:transition spd="slow" advTm="80030"/>
+    </mc:Fallback>
+  </mc:AlternateContent>
+</p:sld>
+</file>
+
+<file path=ppt/slides/slide12.xml><?xml version="1.0" encoding="utf-8"?>
+<p:sld xmlns:a="http://schemas.openxmlformats.org/drawingml/2006/main" xmlns:r="http://schemas.openxmlformats.org/officeDocument/2006/relationships" xmlns:p="http://schemas.openxmlformats.org/presentationml/2006/main">
+  <p:cSld>
+    <p:spTree>
+      <p:nvGrpSpPr>
+        <p:cNvPr id="1" name=""/>
+        <p:cNvGrpSpPr/>
+        <p:nvPr/>
+      </p:nvGrpSpPr>
+      <p:grpSpPr>
+        <a:xfrm>
+          <a:off x="0" y="0"/>
+          <a:ext cx="0" cy="0"/>
+          <a:chOff x="0" y="0"/>
+          <a:chExt cx="0" cy="0"/>
+        </a:xfrm>
+      </p:grpSpPr>
+      <p:sp>
+        <p:nvSpPr>
+          <p:cNvPr id="2" name="Title 1">
+            <a:extLst>
+              <a:ext uri="{FF2B5EF4-FFF2-40B4-BE49-F238E27FC236}">
                 <a16:creationId xmlns:a16="http://schemas.microsoft.com/office/drawing/2014/main" id="{708388E6-7152-48BE-B88B-279069C1D565}"/>
               </a:ext>
             </a:extLst>
@@ -4524,18 +4676,18 @@
   <p:clrMapOvr>
     <a:masterClrMapping/>
   </p:clrMapOvr>
-  <mc:AlternateContent xmlns:mc="http://schemas.openxmlformats.org/markup-compatibility/2006">
-    <mc:Choice xmlns:p14="http://schemas.microsoft.com/office/powerpoint/2010/main" Requires="p14">
+  <mc:AlternateContent xmlns:mc="http://schemas.openxmlformats.org/markup-compatibility/2006" xmlns:p14="http://schemas.microsoft.com/office/powerpoint/2010/main">
+    <mc:Choice Requires="p14">
       <p:transition spd="slow" p14:dur="2000" advTm="14410"/>
     </mc:Choice>
-    <mc:Fallback>
+    <mc:Fallback xmlns="">
       <p:transition spd="slow" advTm="14410"/>
     </mc:Fallback>
   </mc:AlternateContent>
 </p:sld>
 </file>
 
-<file path=ppt/slides/slide12.xml><?xml version="1.0" encoding="utf-8"?>
+<file path=ppt/slides/slide13.xml><?xml version="1.0" encoding="utf-8"?>
 <p:sld xmlns:a="http://schemas.openxmlformats.org/drawingml/2006/main" xmlns:r="http://schemas.openxmlformats.org/officeDocument/2006/relationships" xmlns:p="http://schemas.openxmlformats.org/presentationml/2006/main">
   <p:cSld>
     <p:spTree>
@@ -4622,139 +4774,12 @@
   <p:clrMapOvr>
     <a:masterClrMapping/>
   </p:clrMapOvr>
-  <mc:AlternateContent xmlns:mc="http://schemas.openxmlformats.org/markup-compatibility/2006">
-    <mc:Choice xmlns:p14="http://schemas.microsoft.com/office/powerpoint/2010/main" Requires="p14">
+  <mc:AlternateContent xmlns:mc="http://schemas.openxmlformats.org/markup-compatibility/2006" xmlns:p14="http://schemas.microsoft.com/office/powerpoint/2010/main">
+    <mc:Choice Requires="p14">
       <p:transition spd="slow" p14:dur="2000" advTm="16342"/>
     </mc:Choice>
-    <mc:Fallback>
+    <mc:Fallback xmlns="">
       <p:transition spd="slow" advTm="16342"/>
-    </mc:Fallback>
-  </mc:AlternateContent>
-</p:sld>
-</file>
-
-<file path=ppt/slides/slide13.xml><?xml version="1.0" encoding="utf-8"?>
-<p:sld xmlns:a="http://schemas.openxmlformats.org/drawingml/2006/main" xmlns:r="http://schemas.openxmlformats.org/officeDocument/2006/relationships" xmlns:p="http://schemas.openxmlformats.org/presentationml/2006/main">
-  <p:cSld>
-    <p:spTree>
-      <p:nvGrpSpPr>
-        <p:cNvPr id="1" name=""/>
-        <p:cNvGrpSpPr/>
-        <p:nvPr/>
-      </p:nvGrpSpPr>
-      <p:grpSpPr>
-        <a:xfrm>
-          <a:off x="0" y="0"/>
-          <a:ext cx="0" cy="0"/>
-          <a:chOff x="0" y="0"/>
-          <a:chExt cx="0" cy="0"/>
-        </a:xfrm>
-      </p:grpSpPr>
-      <p:sp>
-        <p:nvSpPr>
-          <p:cNvPr id="2" name="Title 1">
-            <a:extLst>
-              <a:ext uri="{FF2B5EF4-FFF2-40B4-BE49-F238E27FC236}">
-                <a16:creationId xmlns:a16="http://schemas.microsoft.com/office/drawing/2014/main" id="{E89A2856-6C79-47C4-A437-F757E555808E}"/>
-              </a:ext>
-            </a:extLst>
-          </p:cNvPr>
-          <p:cNvSpPr>
-            <a:spLocks noGrp="1"/>
-          </p:cNvSpPr>
-          <p:nvPr>
-            <p:ph type="title"/>
-          </p:nvPr>
-        </p:nvSpPr>
-        <p:spPr/>
-        <p:txBody>
-          <a:bodyPr/>
-          <a:lstStyle/>
-          <a:p>
-            <a:r>
-              <a:rPr lang="en-GB" dirty="0"/>
-              <a:t>Why use DDD</a:t>
-            </a:r>
-          </a:p>
-        </p:txBody>
-      </p:sp>
-      <p:sp>
-        <p:nvSpPr>
-          <p:cNvPr id="3" name="Content Placeholder 2">
-            <a:extLst>
-              <a:ext uri="{FF2B5EF4-FFF2-40B4-BE49-F238E27FC236}">
-                <a16:creationId xmlns:a16="http://schemas.microsoft.com/office/drawing/2014/main" id="{1A7D6E83-F54D-402C-B8A1-96BE1615EFB6}"/>
-              </a:ext>
-            </a:extLst>
-          </p:cNvPr>
-          <p:cNvSpPr>
-            <a:spLocks noGrp="1"/>
-          </p:cNvSpPr>
-          <p:nvPr>
-            <p:ph idx="1"/>
-          </p:nvPr>
-        </p:nvSpPr>
-        <p:spPr/>
-        <p:txBody>
-          <a:bodyPr/>
-          <a:lstStyle/>
-          <a:p>
-            <a:r>
-              <a:rPr lang="en-GB" dirty="0" err="1"/>
-              <a:t>Priniples</a:t>
-            </a:r>
-            <a:r>
-              <a:rPr lang="en-GB" dirty="0"/>
-              <a:t> and patterns</a:t>
-            </a:r>
-          </a:p>
-          <a:p>
-            <a:r>
-              <a:rPr lang="en-GB" dirty="0"/>
-              <a:t>History of success with complex projects</a:t>
-            </a:r>
-          </a:p>
-          <a:p>
-            <a:r>
-              <a:rPr lang="en-GB" dirty="0"/>
-              <a:t>Aligns with practise from the experience of our </a:t>
-            </a:r>
-            <a:r>
-              <a:rPr lang="en-GB" dirty="0" err="1"/>
-              <a:t>industy</a:t>
-            </a:r>
-            <a:endParaRPr lang="en-GB" dirty="0"/>
-          </a:p>
-          <a:p>
-            <a:r>
-              <a:rPr lang="en-GB" dirty="0"/>
-              <a:t>Clear, testable code that represents the domain </a:t>
-            </a:r>
-          </a:p>
-          <a:p>
-            <a:endParaRPr lang="en-GB" dirty="0"/>
-          </a:p>
-          <a:p>
-            <a:endParaRPr lang="en-GB" dirty="0"/>
-          </a:p>
-        </p:txBody>
-      </p:sp>
-    </p:spTree>
-    <p:extLst>
-      <p:ext uri="{BB962C8B-B14F-4D97-AF65-F5344CB8AC3E}">
-        <p14:creationId xmlns:p14="http://schemas.microsoft.com/office/powerpoint/2010/main" val="1048545192"/>
-      </p:ext>
-    </p:extLst>
-  </p:cSld>
-  <p:clrMapOvr>
-    <a:masterClrMapping/>
-  </p:clrMapOvr>
-  <mc:AlternateContent xmlns:mc="http://schemas.openxmlformats.org/markup-compatibility/2006">
-    <mc:Choice xmlns:p14="http://schemas.microsoft.com/office/powerpoint/2010/main" Requires="p14">
-      <p:transition spd="slow" p14:dur="2000" advTm="19989"/>
-    </mc:Choice>
-    <mc:Fallback>
-      <p:transition spd="slow" advTm="19989"/>
     </mc:Fallback>
   </mc:AlternateContent>
 </p:sld>
@@ -4782,6 +4807,607 @@
           <p:cNvPr id="2" name="Title 1">
             <a:extLst>
               <a:ext uri="{FF2B5EF4-FFF2-40B4-BE49-F238E27FC236}">
+                <a16:creationId xmlns:a16="http://schemas.microsoft.com/office/drawing/2014/main" id="{E89A2856-6C79-47C4-A437-F757E555808E}"/>
+              </a:ext>
+            </a:extLst>
+          </p:cNvPr>
+          <p:cNvSpPr>
+            <a:spLocks noGrp="1"/>
+          </p:cNvSpPr>
+          <p:nvPr>
+            <p:ph type="title"/>
+          </p:nvPr>
+        </p:nvSpPr>
+        <p:spPr/>
+        <p:txBody>
+          <a:bodyPr/>
+          <a:lstStyle/>
+          <a:p>
+            <a:r>
+              <a:rPr lang="en-GB" dirty="0"/>
+              <a:t>Why use DDD</a:t>
+            </a:r>
+          </a:p>
+        </p:txBody>
+      </p:sp>
+      <p:sp>
+        <p:nvSpPr>
+          <p:cNvPr id="3" name="Content Placeholder 2">
+            <a:extLst>
+              <a:ext uri="{FF2B5EF4-FFF2-40B4-BE49-F238E27FC236}">
+                <a16:creationId xmlns:a16="http://schemas.microsoft.com/office/drawing/2014/main" id="{1A7D6E83-F54D-402C-B8A1-96BE1615EFB6}"/>
+              </a:ext>
+            </a:extLst>
+          </p:cNvPr>
+          <p:cNvSpPr>
+            <a:spLocks noGrp="1"/>
+          </p:cNvSpPr>
+          <p:nvPr>
+            <p:ph idx="1"/>
+          </p:nvPr>
+        </p:nvSpPr>
+        <p:spPr/>
+        <p:txBody>
+          <a:bodyPr/>
+          <a:lstStyle/>
+          <a:p>
+            <a:r>
+              <a:rPr lang="en-GB" dirty="0"/>
+              <a:t>Principles and patterns</a:t>
+            </a:r>
+          </a:p>
+          <a:p>
+            <a:r>
+              <a:rPr lang="en-GB" dirty="0"/>
+              <a:t>History of success with complex projects</a:t>
+            </a:r>
+          </a:p>
+          <a:p>
+            <a:r>
+              <a:rPr lang="en-GB" dirty="0"/>
+              <a:t>Aligns with practises from the experiences of our industry</a:t>
+            </a:r>
+          </a:p>
+          <a:p>
+            <a:r>
+              <a:rPr lang="en-GB" dirty="0"/>
+              <a:t>Clear, testable code that represents the domain </a:t>
+            </a:r>
+          </a:p>
+          <a:p>
+            <a:endParaRPr lang="en-GB" dirty="0"/>
+          </a:p>
+          <a:p>
+            <a:endParaRPr lang="en-GB" dirty="0"/>
+          </a:p>
+        </p:txBody>
+      </p:sp>
+    </p:spTree>
+    <p:extLst>
+      <p:ext uri="{BB962C8B-B14F-4D97-AF65-F5344CB8AC3E}">
+        <p14:creationId xmlns:p14="http://schemas.microsoft.com/office/powerpoint/2010/main" val="1048545192"/>
+      </p:ext>
+    </p:extLst>
+  </p:cSld>
+  <p:clrMapOvr>
+    <a:masterClrMapping/>
+  </p:clrMapOvr>
+  <mc:AlternateContent xmlns:mc="http://schemas.openxmlformats.org/markup-compatibility/2006" xmlns:p14="http://schemas.microsoft.com/office/powerpoint/2010/main">
+    <mc:Choice Requires="p14">
+      <p:transition spd="slow" p14:dur="2000" advTm="19989"/>
+    </mc:Choice>
+    <mc:Fallback xmlns="">
+      <p:transition spd="slow" advTm="19989"/>
+    </mc:Fallback>
+  </mc:AlternateContent>
+</p:sld>
+</file>
+
+<file path=ppt/slides/slide15.xml><?xml version="1.0" encoding="utf-8"?>
+<p:sld xmlns:a="http://schemas.openxmlformats.org/drawingml/2006/main" xmlns:r="http://schemas.openxmlformats.org/officeDocument/2006/relationships" xmlns:p="http://schemas.openxmlformats.org/presentationml/2006/main">
+  <p:cSld>
+    <p:spTree>
+      <p:nvGrpSpPr>
+        <p:cNvPr id="1" name=""/>
+        <p:cNvGrpSpPr/>
+        <p:nvPr/>
+      </p:nvGrpSpPr>
+      <p:grpSpPr>
+        <a:xfrm>
+          <a:off x="0" y="0"/>
+          <a:ext cx="0" cy="0"/>
+          <a:chOff x="0" y="0"/>
+          <a:chExt cx="0" cy="0"/>
+        </a:xfrm>
+      </p:grpSpPr>
+      <p:sp>
+        <p:nvSpPr>
+          <p:cNvPr id="2" name="Title 1">
+            <a:extLst>
+              <a:ext uri="{FF2B5EF4-FFF2-40B4-BE49-F238E27FC236}">
+                <a16:creationId xmlns:a16="http://schemas.microsoft.com/office/drawing/2014/main" id="{E5604991-284F-4435-B637-CB32F9288128}"/>
+              </a:ext>
+            </a:extLst>
+          </p:cNvPr>
+          <p:cNvSpPr>
+            <a:spLocks noGrp="1"/>
+          </p:cNvSpPr>
+          <p:nvPr>
+            <p:ph type="title"/>
+          </p:nvPr>
+        </p:nvSpPr>
+        <p:spPr/>
+        <p:txBody>
+          <a:bodyPr/>
+          <a:lstStyle/>
+          <a:p>
+            <a:r>
+              <a:rPr lang="en-GB" dirty="0"/>
+              <a:t>Unit testing</a:t>
+            </a:r>
+          </a:p>
+        </p:txBody>
+      </p:sp>
+      <p:sp>
+        <p:nvSpPr>
+          <p:cNvPr id="3" name="Content Placeholder 2">
+            <a:extLst>
+              <a:ext uri="{FF2B5EF4-FFF2-40B4-BE49-F238E27FC236}">
+                <a16:creationId xmlns:a16="http://schemas.microsoft.com/office/drawing/2014/main" id="{408B7A09-F872-4D9A-91BB-DDAED154DD6E}"/>
+              </a:ext>
+            </a:extLst>
+          </p:cNvPr>
+          <p:cNvSpPr>
+            <a:spLocks noGrp="1"/>
+          </p:cNvSpPr>
+          <p:nvPr>
+            <p:ph idx="1"/>
+          </p:nvPr>
+        </p:nvSpPr>
+        <p:spPr/>
+        <p:txBody>
+          <a:bodyPr/>
+          <a:lstStyle/>
+          <a:p>
+            <a:r>
+              <a:rPr lang="en-GB" dirty="0"/>
+              <a:t>Effective unit test and the F.I.R.S.</a:t>
+            </a:r>
+            <a:r>
+              <a:rPr lang="en-GB"/>
+              <a:t>T mnemonic</a:t>
+            </a:r>
+            <a:endParaRPr lang="en-GB" dirty="0"/>
+          </a:p>
+          <a:p>
+            <a:endParaRPr lang="en-GB" dirty="0"/>
+          </a:p>
+        </p:txBody>
+      </p:sp>
+      <p:pic>
+        <p:nvPicPr>
+          <p:cNvPr id="4" name="Picture 3">
+            <a:extLst>
+              <a:ext uri="{FF2B5EF4-FFF2-40B4-BE49-F238E27FC236}">
+                <a16:creationId xmlns:a16="http://schemas.microsoft.com/office/drawing/2014/main" id="{0BE8F786-3F90-4052-8930-7C974C1ABED8}"/>
+              </a:ext>
+            </a:extLst>
+          </p:cNvPr>
+          <p:cNvPicPr>
+            <a:picLocks noChangeAspect="1"/>
+          </p:cNvPicPr>
+          <p:nvPr/>
+        </p:nvPicPr>
+        <p:blipFill>
+          <a:blip r:embed="rId2"/>
+          <a:stretch>
+            <a:fillRect/>
+          </a:stretch>
+        </p:blipFill>
+        <p:spPr>
+          <a:xfrm>
+            <a:off x="304801" y="2589416"/>
+            <a:ext cx="3762374" cy="1881187"/>
+          </a:xfrm>
+          <a:prstGeom prst="rect">
+            <a:avLst/>
+          </a:prstGeom>
+        </p:spPr>
+      </p:pic>
+      <p:pic>
+        <p:nvPicPr>
+          <p:cNvPr id="5" name="Picture 4">
+            <a:extLst>
+              <a:ext uri="{FF2B5EF4-FFF2-40B4-BE49-F238E27FC236}">
+                <a16:creationId xmlns:a16="http://schemas.microsoft.com/office/drawing/2014/main" id="{61B7769A-B8E6-48C1-9C51-38D37F2F08C1}"/>
+              </a:ext>
+            </a:extLst>
+          </p:cNvPr>
+          <p:cNvPicPr>
+            <a:picLocks noChangeAspect="1"/>
+          </p:cNvPicPr>
+          <p:nvPr/>
+        </p:nvPicPr>
+        <p:blipFill>
+          <a:blip r:embed="rId3"/>
+          <a:stretch>
+            <a:fillRect/>
+          </a:stretch>
+        </p:blipFill>
+        <p:spPr>
+          <a:xfrm>
+            <a:off x="4214813" y="2589416"/>
+            <a:ext cx="3762374" cy="1903529"/>
+          </a:xfrm>
+          <a:prstGeom prst="rect">
+            <a:avLst/>
+          </a:prstGeom>
+        </p:spPr>
+      </p:pic>
+      <p:pic>
+        <p:nvPicPr>
+          <p:cNvPr id="6" name="Picture 5">
+            <a:extLst>
+              <a:ext uri="{FF2B5EF4-FFF2-40B4-BE49-F238E27FC236}">
+                <a16:creationId xmlns:a16="http://schemas.microsoft.com/office/drawing/2014/main" id="{89F36B06-7C76-4474-BBBE-4A3468447616}"/>
+              </a:ext>
+            </a:extLst>
+          </p:cNvPr>
+          <p:cNvPicPr>
+            <a:picLocks noChangeAspect="1"/>
+          </p:cNvPicPr>
+          <p:nvPr/>
+        </p:nvPicPr>
+        <p:blipFill>
+          <a:blip r:embed="rId4"/>
+          <a:stretch>
+            <a:fillRect/>
+          </a:stretch>
+        </p:blipFill>
+        <p:spPr>
+          <a:xfrm>
+            <a:off x="8124825" y="2554080"/>
+            <a:ext cx="3762374" cy="1938865"/>
+          </a:xfrm>
+          <a:prstGeom prst="rect">
+            <a:avLst/>
+          </a:prstGeom>
+        </p:spPr>
+      </p:pic>
+      <p:pic>
+        <p:nvPicPr>
+          <p:cNvPr id="7" name="Picture 6">
+            <a:extLst>
+              <a:ext uri="{FF2B5EF4-FFF2-40B4-BE49-F238E27FC236}">
+                <a16:creationId xmlns:a16="http://schemas.microsoft.com/office/drawing/2014/main" id="{80D3FEA8-093F-4BE1-B837-76BFEA4BCCC6}"/>
+              </a:ext>
+            </a:extLst>
+          </p:cNvPr>
+          <p:cNvPicPr>
+            <a:picLocks noChangeAspect="1"/>
+          </p:cNvPicPr>
+          <p:nvPr/>
+        </p:nvPicPr>
+        <p:blipFill>
+          <a:blip r:embed="rId5"/>
+          <a:stretch>
+            <a:fillRect/>
+          </a:stretch>
+        </p:blipFill>
+        <p:spPr>
+          <a:xfrm>
+            <a:off x="1962150" y="4642053"/>
+            <a:ext cx="3873200" cy="1938865"/>
+          </a:xfrm>
+          <a:prstGeom prst="rect">
+            <a:avLst/>
+          </a:prstGeom>
+        </p:spPr>
+      </p:pic>
+      <p:pic>
+        <p:nvPicPr>
+          <p:cNvPr id="8" name="Picture 7">
+            <a:extLst>
+              <a:ext uri="{FF2B5EF4-FFF2-40B4-BE49-F238E27FC236}">
+                <a16:creationId xmlns:a16="http://schemas.microsoft.com/office/drawing/2014/main" id="{69DAAE06-DD22-4894-81F0-FCCAE74AEBC7}"/>
+              </a:ext>
+            </a:extLst>
+          </p:cNvPr>
+          <p:cNvPicPr>
+            <a:picLocks noChangeAspect="1"/>
+          </p:cNvPicPr>
+          <p:nvPr/>
+        </p:nvPicPr>
+        <p:blipFill>
+          <a:blip r:embed="rId6"/>
+          <a:stretch>
+            <a:fillRect/>
+          </a:stretch>
+        </p:blipFill>
+        <p:spPr>
+          <a:xfrm>
+            <a:off x="6686838" y="4642053"/>
+            <a:ext cx="3815473" cy="1938865"/>
+          </a:xfrm>
+          <a:prstGeom prst="rect">
+            <a:avLst/>
+          </a:prstGeom>
+        </p:spPr>
+      </p:pic>
+    </p:spTree>
+    <p:extLst>
+      <p:ext uri="{BB962C8B-B14F-4D97-AF65-F5344CB8AC3E}">
+        <p14:creationId xmlns:p14="http://schemas.microsoft.com/office/powerpoint/2010/main" val="4251250457"/>
+      </p:ext>
+    </p:extLst>
+  </p:cSld>
+  <p:clrMapOvr>
+    <a:masterClrMapping/>
+  </p:clrMapOvr>
+</p:sld>
+</file>
+
+<file path=ppt/slides/slide16.xml><?xml version="1.0" encoding="utf-8"?>
+<p:sld xmlns:a="http://schemas.openxmlformats.org/drawingml/2006/main" xmlns:r="http://schemas.openxmlformats.org/officeDocument/2006/relationships" xmlns:p="http://schemas.openxmlformats.org/presentationml/2006/main">
+  <p:cSld>
+    <p:spTree>
+      <p:nvGrpSpPr>
+        <p:cNvPr id="1" name=""/>
+        <p:cNvGrpSpPr/>
+        <p:nvPr/>
+      </p:nvGrpSpPr>
+      <p:grpSpPr>
+        <a:xfrm>
+          <a:off x="0" y="0"/>
+          <a:ext cx="0" cy="0"/>
+          <a:chOff x="0" y="0"/>
+          <a:chExt cx="0" cy="0"/>
+        </a:xfrm>
+      </p:grpSpPr>
+      <p:sp>
+        <p:nvSpPr>
+          <p:cNvPr id="2" name="Title 1">
+            <a:extLst>
+              <a:ext uri="{FF2B5EF4-FFF2-40B4-BE49-F238E27FC236}">
+                <a16:creationId xmlns:a16="http://schemas.microsoft.com/office/drawing/2014/main" id="{2E0A1ABA-63C4-41FA-AB55-5B46B2062304}"/>
+              </a:ext>
+            </a:extLst>
+          </p:cNvPr>
+          <p:cNvSpPr>
+            <a:spLocks noGrp="1"/>
+          </p:cNvSpPr>
+          <p:nvPr>
+            <p:ph type="title"/>
+          </p:nvPr>
+        </p:nvSpPr>
+        <p:spPr/>
+        <p:txBody>
+          <a:bodyPr/>
+          <a:lstStyle/>
+          <a:p>
+            <a:r>
+              <a:rPr lang="en-GB" dirty="0"/>
+              <a:t>Friends Storage Test cycle demo</a:t>
+            </a:r>
+          </a:p>
+        </p:txBody>
+      </p:sp>
+      <p:sp>
+        <p:nvSpPr>
+          <p:cNvPr id="3" name="Content Placeholder 2">
+            <a:extLst>
+              <a:ext uri="{FF2B5EF4-FFF2-40B4-BE49-F238E27FC236}">
+                <a16:creationId xmlns:a16="http://schemas.microsoft.com/office/drawing/2014/main" id="{392628FC-E0C5-43C0-A515-AE8A2395024C}"/>
+              </a:ext>
+            </a:extLst>
+          </p:cNvPr>
+          <p:cNvSpPr>
+            <a:spLocks noGrp="1"/>
+          </p:cNvSpPr>
+          <p:nvPr>
+            <p:ph idx="1"/>
+          </p:nvPr>
+        </p:nvSpPr>
+        <p:spPr/>
+        <p:txBody>
+          <a:bodyPr/>
+          <a:lstStyle/>
+          <a:p>
+            <a:r>
+              <a:rPr lang="en-GB" dirty="0"/>
+              <a:t>With thanks to Thomas </a:t>
+            </a:r>
+            <a:r>
+              <a:rPr lang="en-GB" dirty="0" err="1"/>
+              <a:t>Cludius</a:t>
+            </a:r>
+            <a:r>
+              <a:rPr lang="en-GB" dirty="0"/>
+              <a:t> Huber</a:t>
+            </a:r>
+          </a:p>
+          <a:p>
+            <a:r>
+              <a:rPr lang="en-GB" dirty="0"/>
+              <a:t>Pluralsight WPF and MVVM: Test Driven Development of </a:t>
+            </a:r>
+            <a:r>
+              <a:rPr lang="en-GB" dirty="0" err="1"/>
+              <a:t>ViewModels</a:t>
+            </a:r>
+            <a:endParaRPr lang="en-GB" dirty="0"/>
+          </a:p>
+          <a:p>
+            <a:r>
+              <a:rPr lang="en-GB" dirty="0"/>
+              <a:t>I am using this demo due to time constraints on developing my solution.</a:t>
+            </a:r>
+          </a:p>
+        </p:txBody>
+      </p:sp>
+      <p:pic>
+        <p:nvPicPr>
+          <p:cNvPr id="4" name="Picture 3">
+            <a:extLst>
+              <a:ext uri="{FF2B5EF4-FFF2-40B4-BE49-F238E27FC236}">
+                <a16:creationId xmlns:a16="http://schemas.microsoft.com/office/drawing/2014/main" id="{3D980F62-78FA-4095-B1BE-1C5D892A0E5E}"/>
+              </a:ext>
+            </a:extLst>
+          </p:cNvPr>
+          <p:cNvPicPr>
+            <a:picLocks noChangeAspect="1"/>
+          </p:cNvPicPr>
+          <p:nvPr/>
+        </p:nvPicPr>
+        <p:blipFill>
+          <a:blip r:embed="rId2"/>
+          <a:stretch>
+            <a:fillRect/>
+          </a:stretch>
+        </p:blipFill>
+        <p:spPr>
+          <a:xfrm>
+            <a:off x="1223962" y="3749794"/>
+            <a:ext cx="9744075" cy="3000375"/>
+          </a:xfrm>
+          <a:prstGeom prst="rect">
+            <a:avLst/>
+          </a:prstGeom>
+        </p:spPr>
+      </p:pic>
+    </p:spTree>
+    <p:extLst>
+      <p:ext uri="{BB962C8B-B14F-4D97-AF65-F5344CB8AC3E}">
+        <p14:creationId xmlns:p14="http://schemas.microsoft.com/office/powerpoint/2010/main" val="3309355769"/>
+      </p:ext>
+    </p:extLst>
+  </p:cSld>
+  <p:clrMapOvr>
+    <a:masterClrMapping/>
+  </p:clrMapOvr>
+</p:sld>
+</file>
+
+<file path=ppt/slides/slide17.xml><?xml version="1.0" encoding="utf-8"?>
+<p:sld xmlns:a="http://schemas.openxmlformats.org/drawingml/2006/main" xmlns:r="http://schemas.openxmlformats.org/officeDocument/2006/relationships" xmlns:p="http://schemas.openxmlformats.org/presentationml/2006/main">
+  <p:cSld>
+    <p:spTree>
+      <p:nvGrpSpPr>
+        <p:cNvPr id="1" name=""/>
+        <p:cNvGrpSpPr/>
+        <p:nvPr/>
+      </p:nvGrpSpPr>
+      <p:grpSpPr>
+        <a:xfrm>
+          <a:off x="0" y="0"/>
+          <a:ext cx="0" cy="0"/>
+          <a:chOff x="0" y="0"/>
+          <a:chExt cx="0" cy="0"/>
+        </a:xfrm>
+      </p:grpSpPr>
+      <p:sp>
+        <p:nvSpPr>
+          <p:cNvPr id="2" name="Title 1">
+            <a:extLst>
+              <a:ext uri="{FF2B5EF4-FFF2-40B4-BE49-F238E27FC236}">
+                <a16:creationId xmlns:a16="http://schemas.microsoft.com/office/drawing/2014/main" id="{8E6EF600-DC6C-473E-9B98-59C597FBAB6A}"/>
+              </a:ext>
+            </a:extLst>
+          </p:cNvPr>
+          <p:cNvSpPr>
+            <a:spLocks noGrp="1"/>
+          </p:cNvSpPr>
+          <p:nvPr>
+            <p:ph type="title"/>
+          </p:nvPr>
+        </p:nvSpPr>
+        <p:spPr/>
+        <p:txBody>
+          <a:bodyPr/>
+          <a:lstStyle/>
+          <a:p>
+            <a:r>
+              <a:rPr lang="en-GB" dirty="0"/>
+              <a:t>Design spike</a:t>
+            </a:r>
+          </a:p>
+        </p:txBody>
+      </p:sp>
+      <p:sp>
+        <p:nvSpPr>
+          <p:cNvPr id="3" name="Content Placeholder 2">
+            <a:extLst>
+              <a:ext uri="{FF2B5EF4-FFF2-40B4-BE49-F238E27FC236}">
+                <a16:creationId xmlns:a16="http://schemas.microsoft.com/office/drawing/2014/main" id="{6EE6503A-23F3-48A1-ACD2-02B948542F4B}"/>
+              </a:ext>
+            </a:extLst>
+          </p:cNvPr>
+          <p:cNvSpPr>
+            <a:spLocks noGrp="1"/>
+          </p:cNvSpPr>
+          <p:nvPr>
+            <p:ph idx="1"/>
+          </p:nvPr>
+        </p:nvSpPr>
+        <p:spPr/>
+        <p:txBody>
+          <a:bodyPr/>
+          <a:lstStyle/>
+          <a:p>
+            <a:r>
+              <a:rPr lang="en-GB" dirty="0"/>
+              <a:t>When you need to experiment on how to do something</a:t>
+            </a:r>
+          </a:p>
+          <a:p>
+            <a:r>
+              <a:rPr lang="en-GB" dirty="0"/>
+              <a:t>Write some code to prove your concept</a:t>
+            </a:r>
+          </a:p>
+          <a:p>
+            <a:r>
+              <a:rPr lang="en-GB" dirty="0"/>
+              <a:t>Then disregard it and start writing Your TTD code</a:t>
+            </a:r>
+          </a:p>
+        </p:txBody>
+      </p:sp>
+    </p:spTree>
+    <p:extLst>
+      <p:ext uri="{BB962C8B-B14F-4D97-AF65-F5344CB8AC3E}">
+        <p14:creationId xmlns:p14="http://schemas.microsoft.com/office/powerpoint/2010/main" val="1129015777"/>
+      </p:ext>
+    </p:extLst>
+  </p:cSld>
+  <p:clrMapOvr>
+    <a:masterClrMapping/>
+  </p:clrMapOvr>
+</p:sld>
+</file>
+
+<file path=ppt/slides/slide18.xml><?xml version="1.0" encoding="utf-8"?>
+<p:sld xmlns:a="http://schemas.openxmlformats.org/drawingml/2006/main" xmlns:r="http://schemas.openxmlformats.org/officeDocument/2006/relationships" xmlns:p="http://schemas.openxmlformats.org/presentationml/2006/main">
+  <p:cSld>
+    <p:spTree>
+      <p:nvGrpSpPr>
+        <p:cNvPr id="1" name=""/>
+        <p:cNvGrpSpPr/>
+        <p:nvPr/>
+      </p:nvGrpSpPr>
+      <p:grpSpPr>
+        <a:xfrm>
+          <a:off x="0" y="0"/>
+          <a:ext cx="0" cy="0"/>
+          <a:chOff x="0" y="0"/>
+          <a:chExt cx="0" cy="0"/>
+        </a:xfrm>
+      </p:grpSpPr>
+      <p:sp>
+        <p:nvSpPr>
+          <p:cNvPr id="2" name="Title 1">
+            <a:extLst>
+              <a:ext uri="{FF2B5EF4-FFF2-40B4-BE49-F238E27FC236}">
                 <a16:creationId xmlns:a16="http://schemas.microsoft.com/office/drawing/2014/main" id="{667541EA-F5ED-4E6F-88F6-AAB7FEE62918}"/>
               </a:ext>
             </a:extLst>
@@ -4867,11 +5493,11 @@
   <p:clrMapOvr>
     <a:masterClrMapping/>
   </p:clrMapOvr>
-  <mc:AlternateContent xmlns:mc="http://schemas.openxmlformats.org/markup-compatibility/2006">
-    <mc:Choice xmlns:p14="http://schemas.microsoft.com/office/powerpoint/2010/main" Requires="p14">
+  <mc:AlternateContent xmlns:mc="http://schemas.openxmlformats.org/markup-compatibility/2006" xmlns:p14="http://schemas.microsoft.com/office/powerpoint/2010/main">
+    <mc:Choice Requires="p14">
       <p:transition spd="slow" p14:dur="2000" advTm="30472"/>
     </mc:Choice>
-    <mc:Fallback>
+    <mc:Fallback xmlns="">
       <p:transition spd="slow" advTm="30472"/>
     </mc:Fallback>
   </mc:AlternateContent>
@@ -4900,15 +5526,15 @@
           <p:cNvPr id="2" name="Title 1">
             <a:extLst>
               <a:ext uri="{FF2B5EF4-FFF2-40B4-BE49-F238E27FC236}">
-                <a16:creationId xmlns:a16="http://schemas.microsoft.com/office/drawing/2014/main" id="{488288C9-F16A-4BBC-BF72-E6CA2FE44DA6}"/>
-              </a:ext>
-            </a:extLst>
-          </p:cNvPr>
-          <p:cNvSpPr>
-            <a:spLocks noGrp="1"/>
-          </p:cNvSpPr>
-          <p:nvPr>
-            <p:ph type="title"/>
+                <a16:creationId xmlns:a16="http://schemas.microsoft.com/office/drawing/2014/main" id="{06581FF7-6776-458C-AD1F-4D676E1146F1}"/>
+              </a:ext>
+            </a:extLst>
+          </p:cNvPr>
+          <p:cNvSpPr>
+            <a:spLocks noGrp="1"/>
+          </p:cNvSpPr>
+          <p:nvPr>
+            <p:ph type="ctrTitle"/>
           </p:nvPr>
         </p:nvSpPr>
         <p:spPr/>
@@ -4918,25 +5544,25 @@
           <a:p>
             <a:r>
               <a:rPr lang="en-GB" dirty="0"/>
-              <a:t>Reason for the talk</a:t>
-            </a:r>
-          </a:p>
-        </p:txBody>
-      </p:sp>
-      <p:sp>
-        <p:nvSpPr>
-          <p:cNvPr id="3" name="Content Placeholder 2">
-            <a:extLst>
-              <a:ext uri="{FF2B5EF4-FFF2-40B4-BE49-F238E27FC236}">
-                <a16:creationId xmlns:a16="http://schemas.microsoft.com/office/drawing/2014/main" id="{70217986-E5EA-4924-B7BD-4AAB2CEDC370}"/>
-              </a:ext>
-            </a:extLst>
-          </p:cNvPr>
-          <p:cNvSpPr>
-            <a:spLocks noGrp="1"/>
-          </p:cNvSpPr>
-          <p:nvPr>
-            <p:ph idx="1"/>
+              <a:t>We Are Recruiting</a:t>
+            </a:r>
+          </a:p>
+        </p:txBody>
+      </p:sp>
+      <p:sp>
+        <p:nvSpPr>
+          <p:cNvPr id="3" name="Subtitle 2">
+            <a:extLst>
+              <a:ext uri="{FF2B5EF4-FFF2-40B4-BE49-F238E27FC236}">
+                <a16:creationId xmlns:a16="http://schemas.microsoft.com/office/drawing/2014/main" id="{010C9BFB-B36D-4576-BF71-C6A7A500912D}"/>
+              </a:ext>
+            </a:extLst>
+          </p:cNvPr>
+          <p:cNvSpPr>
+            <a:spLocks noGrp="1"/>
+          </p:cNvSpPr>
+          <p:nvPr>
+            <p:ph type="subTitle" idx="1"/>
           </p:nvPr>
         </p:nvSpPr>
         <p:spPr/>
@@ -4946,33 +5572,27 @@
           <a:p>
             <a:r>
               <a:rPr lang="en-GB" dirty="0"/>
-              <a:t>It is just important to follow good coding practice</a:t>
-            </a:r>
-          </a:p>
-          <a:p>
-            <a:r>
-              <a:rPr lang="en-GB" dirty="0"/>
-              <a:t>It can be hard to find examples of SOLID practises</a:t>
-            </a:r>
-          </a:p>
-          <a:p>
-            <a:r>
-              <a:rPr lang="en-GB" dirty="0"/>
-              <a:t>Its fun to write code</a:t>
-            </a:r>
-          </a:p>
-          <a:p>
-            <a:pPr marL="0" indent="0">
-              <a:buNone/>
-            </a:pPr>
-            <a:endParaRPr lang="en-GB" dirty="0"/>
+              <a:t>ASP.NET MVC</a:t>
+            </a:r>
+          </a:p>
+          <a:p>
+            <a:r>
+              <a:rPr lang="en-GB" dirty="0"/>
+              <a:t>Entity Framework</a:t>
+            </a:r>
+          </a:p>
+          <a:p>
+            <a:r>
+              <a:rPr lang="en-GB" dirty="0"/>
+              <a:t>C#</a:t>
+            </a:r>
           </a:p>
         </p:txBody>
       </p:sp>
     </p:spTree>
     <p:extLst>
       <p:ext uri="{BB962C8B-B14F-4D97-AF65-F5344CB8AC3E}">
-        <p14:creationId xmlns:p14="http://schemas.microsoft.com/office/powerpoint/2010/main" val="4184674939"/>
+        <p14:creationId xmlns:p14="http://schemas.microsoft.com/office/powerpoint/2010/main" val="1120121230"/>
       </p:ext>
     </p:extLst>
   </p:cSld>
@@ -4981,10 +5601,10 @@
   </p:clrMapOvr>
   <mc:AlternateContent xmlns:mc="http://schemas.openxmlformats.org/markup-compatibility/2006">
     <mc:Choice xmlns:p14="http://schemas.microsoft.com/office/powerpoint/2010/main" Requires="p14">
-      <p:transition spd="slow" p14:dur="2000" advTm="40264"/>
+      <p:transition spd="slow" p14:dur="2000" advTm="14815"/>
     </mc:Choice>
     <mc:Fallback>
-      <p:transition spd="slow" advTm="40264"/>
+      <p:transition spd="slow" advTm="14815"/>
     </mc:Fallback>
   </mc:AlternateContent>
 </p:sld>
@@ -5030,7 +5650,7 @@
           <a:p>
             <a:r>
               <a:rPr lang="en-GB" dirty="0"/>
-              <a:t>Work ethic</a:t>
+              <a:t>Reason for the talk</a:t>
             </a:r>
           </a:p>
         </p:txBody>
@@ -5058,19 +5678,19 @@
           <a:p>
             <a:r>
               <a:rPr lang="en-GB" dirty="0"/>
-              <a:t>Your career is your responsibility</a:t>
-            </a:r>
-          </a:p>
-          <a:p>
-            <a:r>
-              <a:rPr lang="en-GB" dirty="0"/>
-              <a:t>Give you employer 40 hours and 20 hours for your Learning</a:t>
-            </a:r>
-          </a:p>
-          <a:p>
-            <a:r>
-              <a:rPr lang="en-GB" dirty="0"/>
-              <a:t>56 hours for sleep and 52 for everything else</a:t>
+              <a:t>It is just important to follow good coding practice</a:t>
+            </a:r>
+          </a:p>
+          <a:p>
+            <a:r>
+              <a:rPr lang="en-GB" dirty="0"/>
+              <a:t>It can be hard to find examples of SOLID practises</a:t>
+            </a:r>
+          </a:p>
+          <a:p>
+            <a:r>
+              <a:rPr lang="en-GB" dirty="0"/>
+              <a:t>Its fun to write code</a:t>
             </a:r>
           </a:p>
           <a:p>
@@ -5079,18 +5699,12 @@
             </a:pPr>
             <a:endParaRPr lang="en-GB" dirty="0"/>
           </a:p>
-          <a:p>
-            <a:pPr marL="0" indent="0">
-              <a:buNone/>
-            </a:pPr>
-            <a:endParaRPr lang="en-GB" dirty="0"/>
-          </a:p>
         </p:txBody>
       </p:sp>
     </p:spTree>
     <p:extLst>
       <p:ext uri="{BB962C8B-B14F-4D97-AF65-F5344CB8AC3E}">
-        <p14:creationId xmlns:p14="http://schemas.microsoft.com/office/powerpoint/2010/main" val="3315873702"/>
+        <p14:creationId xmlns:p14="http://schemas.microsoft.com/office/powerpoint/2010/main" val="4184674939"/>
       </p:ext>
     </p:extLst>
   </p:cSld>
@@ -5099,10 +5713,10 @@
   </p:clrMapOvr>
   <mc:AlternateContent xmlns:mc="http://schemas.openxmlformats.org/markup-compatibility/2006">
     <mc:Choice xmlns:p14="http://schemas.microsoft.com/office/powerpoint/2010/main" Requires="p14">
-      <p:transition spd="slow" p14:dur="2000" advTm="43479"/>
+      <p:transition spd="slow" p14:dur="2000" advTm="167"/>
     </mc:Choice>
     <mc:Fallback>
-      <p:transition spd="slow" advTm="43479"/>
+      <p:transition spd="slow" advTm="167"/>
     </mc:Fallback>
   </mc:AlternateContent>
 </p:sld>
@@ -5148,6 +5762,124 @@
           <a:p>
             <a:r>
               <a:rPr lang="en-GB" dirty="0"/>
+              <a:t>Work ethic</a:t>
+            </a:r>
+          </a:p>
+        </p:txBody>
+      </p:sp>
+      <p:sp>
+        <p:nvSpPr>
+          <p:cNvPr id="3" name="Content Placeholder 2">
+            <a:extLst>
+              <a:ext uri="{FF2B5EF4-FFF2-40B4-BE49-F238E27FC236}">
+                <a16:creationId xmlns:a16="http://schemas.microsoft.com/office/drawing/2014/main" id="{70217986-E5EA-4924-B7BD-4AAB2CEDC370}"/>
+              </a:ext>
+            </a:extLst>
+          </p:cNvPr>
+          <p:cNvSpPr>
+            <a:spLocks noGrp="1"/>
+          </p:cNvSpPr>
+          <p:nvPr>
+            <p:ph idx="1"/>
+          </p:nvPr>
+        </p:nvSpPr>
+        <p:spPr/>
+        <p:txBody>
+          <a:bodyPr/>
+          <a:lstStyle/>
+          <a:p>
+            <a:r>
+              <a:rPr lang="en-GB" dirty="0"/>
+              <a:t>Your career is your responsibility</a:t>
+            </a:r>
+          </a:p>
+          <a:p>
+            <a:r>
+              <a:rPr lang="en-GB" dirty="0"/>
+              <a:t>Give you employer 40 hours and 20 hours for your Learning</a:t>
+            </a:r>
+          </a:p>
+          <a:p>
+            <a:r>
+              <a:rPr lang="en-GB" dirty="0"/>
+              <a:t>56 hours for sleep and 52 for everything else</a:t>
+            </a:r>
+          </a:p>
+          <a:p>
+            <a:pPr marL="0" indent="0">
+              <a:buNone/>
+            </a:pPr>
+            <a:endParaRPr lang="en-GB" dirty="0"/>
+          </a:p>
+          <a:p>
+            <a:pPr marL="0" indent="0">
+              <a:buNone/>
+            </a:pPr>
+            <a:endParaRPr lang="en-GB" dirty="0"/>
+          </a:p>
+        </p:txBody>
+      </p:sp>
+    </p:spTree>
+    <p:extLst>
+      <p:ext uri="{BB962C8B-B14F-4D97-AF65-F5344CB8AC3E}">
+        <p14:creationId xmlns:p14="http://schemas.microsoft.com/office/powerpoint/2010/main" val="3315873702"/>
+      </p:ext>
+    </p:extLst>
+  </p:cSld>
+  <p:clrMapOvr>
+    <a:masterClrMapping/>
+  </p:clrMapOvr>
+  <mc:AlternateContent xmlns:mc="http://schemas.openxmlformats.org/markup-compatibility/2006">
+    <mc:Choice xmlns:p14="http://schemas.microsoft.com/office/powerpoint/2010/main" Requires="p14">
+      <p:transition spd="slow" p14:dur="2000" advTm="108951"/>
+    </mc:Choice>
+    <mc:Fallback>
+      <p:transition spd="slow" advTm="108951"/>
+    </mc:Fallback>
+  </mc:AlternateContent>
+</p:sld>
+</file>
+
+<file path=ppt/slides/slide5.xml><?xml version="1.0" encoding="utf-8"?>
+<p:sld xmlns:a="http://schemas.openxmlformats.org/drawingml/2006/main" xmlns:r="http://schemas.openxmlformats.org/officeDocument/2006/relationships" xmlns:p="http://schemas.openxmlformats.org/presentationml/2006/main">
+  <p:cSld>
+    <p:spTree>
+      <p:nvGrpSpPr>
+        <p:cNvPr id="1" name=""/>
+        <p:cNvGrpSpPr/>
+        <p:nvPr/>
+      </p:nvGrpSpPr>
+      <p:grpSpPr>
+        <a:xfrm>
+          <a:off x="0" y="0"/>
+          <a:ext cx="0" cy="0"/>
+          <a:chOff x="0" y="0"/>
+          <a:chExt cx="0" cy="0"/>
+        </a:xfrm>
+      </p:grpSpPr>
+      <p:sp>
+        <p:nvSpPr>
+          <p:cNvPr id="2" name="Title 1">
+            <a:extLst>
+              <a:ext uri="{FF2B5EF4-FFF2-40B4-BE49-F238E27FC236}">
+                <a16:creationId xmlns:a16="http://schemas.microsoft.com/office/drawing/2014/main" id="{488288C9-F16A-4BBC-BF72-E6CA2FE44DA6}"/>
+              </a:ext>
+            </a:extLst>
+          </p:cNvPr>
+          <p:cNvSpPr>
+            <a:spLocks noGrp="1"/>
+          </p:cNvSpPr>
+          <p:nvPr>
+            <p:ph type="title"/>
+          </p:nvPr>
+        </p:nvSpPr>
+        <p:spPr/>
+        <p:txBody>
+          <a:bodyPr/>
+          <a:lstStyle/>
+          <a:p>
+            <a:r>
+              <a:rPr lang="en-GB" dirty="0"/>
               <a:t>How we sometime work</a:t>
             </a:r>
           </a:p>
@@ -5217,16 +5949,16 @@
   </p:clrMapOvr>
   <mc:AlternateContent xmlns:mc="http://schemas.openxmlformats.org/markup-compatibility/2006">
     <mc:Choice xmlns:p14="http://schemas.microsoft.com/office/powerpoint/2010/main" Requires="p14">
-      <p:transition spd="slow" p14:dur="2000" advTm="87335"/>
+      <p:transition spd="slow" p14:dur="2000" advTm="77873"/>
     </mc:Choice>
     <mc:Fallback>
-      <p:transition spd="slow" advTm="87335"/>
+      <p:transition spd="slow" advTm="77873"/>
     </mc:Fallback>
   </mc:AlternateContent>
 </p:sld>
 </file>
 
-<file path=ppt/slides/slide5.xml><?xml version="1.0" encoding="utf-8"?>
+<file path=ppt/slides/slide6.xml><?xml version="1.0" encoding="utf-8"?>
 <p:sld xmlns:a="http://schemas.openxmlformats.org/drawingml/2006/main" xmlns:r="http://schemas.openxmlformats.org/officeDocument/2006/relationships" xmlns:p="http://schemas.openxmlformats.org/presentationml/2006/main">
   <p:cSld>
     <p:spTree>
@@ -5322,16 +6054,16 @@
   </p:clrMapOvr>
   <mc:AlternateContent xmlns:mc="http://schemas.openxmlformats.org/markup-compatibility/2006">
     <mc:Choice xmlns:p14="http://schemas.microsoft.com/office/powerpoint/2010/main" Requires="p14">
-      <p:transition spd="slow" p14:dur="2000" advTm="15111"/>
+      <p:transition spd="slow" p14:dur="2000" advTm="22287"/>
     </mc:Choice>
     <mc:Fallback>
-      <p:transition spd="slow" advTm="15111"/>
+      <p:transition spd="slow" advTm="22287"/>
     </mc:Fallback>
   </mc:AlternateContent>
 </p:sld>
 </file>
 
-<file path=ppt/slides/slide6.xml><?xml version="1.0" encoding="utf-8"?>
+<file path=ppt/slides/slide7.xml><?xml version="1.0" encoding="utf-8"?>
 <p:sld xmlns:a="http://schemas.openxmlformats.org/drawingml/2006/main" xmlns:r="http://schemas.openxmlformats.org/officeDocument/2006/relationships" xmlns:p="http://schemas.openxmlformats.org/presentationml/2006/main">
   <p:cSld>
     <p:spTree>
@@ -5405,7 +6137,7 @@
           <a:p>
             <a:r>
               <a:rPr lang="en-GB" dirty="0"/>
-              <a:t>Using the SOLID principles a our guide to coding</a:t>
+              <a:t>Using the SOLID principles as our guide to coding</a:t>
             </a:r>
           </a:p>
           <a:p>
@@ -5417,19 +6149,14 @@
           <a:p>
             <a:r>
               <a:rPr lang="en-GB" dirty="0"/>
-              <a:t>Test driven development</a:t>
-            </a:r>
-          </a:p>
-          <a:p>
-            <a:r>
-              <a:rPr lang="en-GB" dirty="0"/>
-              <a:t>Domain driven </a:t>
-            </a:r>
-            <a:r>
-              <a:rPr lang="en-GB" dirty="0" err="1"/>
-              <a:t>Devlopment</a:t>
-            </a:r>
-            <a:endParaRPr lang="en-GB" dirty="0"/>
+              <a:t>Test Driven Development</a:t>
+            </a:r>
+          </a:p>
+          <a:p>
+            <a:r>
+              <a:rPr lang="en-GB" dirty="0"/>
+              <a:t>Domain Driven Development</a:t>
+            </a:r>
           </a:p>
           <a:p>
             <a:r>
@@ -5457,16 +6184,16 @@
   </p:clrMapOvr>
   <mc:AlternateContent xmlns:mc="http://schemas.openxmlformats.org/markup-compatibility/2006">
     <mc:Choice xmlns:p14="http://schemas.microsoft.com/office/powerpoint/2010/main" Requires="p14">
-      <p:transition spd="slow" p14:dur="2000" advTm="27056"/>
+      <p:transition spd="slow" p14:dur="2000" advTm="16547"/>
     </mc:Choice>
     <mc:Fallback>
-      <p:transition spd="slow" advTm="27056"/>
+      <p:transition spd="slow" advTm="16547"/>
     </mc:Fallback>
   </mc:AlternateContent>
 </p:sld>
 </file>
 
-<file path=ppt/slides/slide7.xml><?xml version="1.0" encoding="utf-8"?>
+<file path=ppt/slides/slide8.xml><?xml version="1.0" encoding="utf-8"?>
 <p:sld xmlns:a="http://schemas.openxmlformats.org/drawingml/2006/main" xmlns:r="http://schemas.openxmlformats.org/officeDocument/2006/relationships" xmlns:p="http://schemas.openxmlformats.org/presentationml/2006/main">
   <p:cSld>
     <p:spTree>
@@ -5585,144 +6312,10 @@
   </p:clrMapOvr>
   <mc:AlternateContent xmlns:mc="http://schemas.openxmlformats.org/markup-compatibility/2006">
     <mc:Choice xmlns:p14="http://schemas.microsoft.com/office/powerpoint/2010/main" Requires="p14">
-      <p:transition spd="slow" p14:dur="2000" advTm="21628"/>
+      <p:transition spd="slow" p14:dur="2000" advTm="3023"/>
     </mc:Choice>
     <mc:Fallback>
-      <p:transition spd="slow" advTm="21628"/>
-    </mc:Fallback>
-  </mc:AlternateContent>
-</p:sld>
-</file>
-
-<file path=ppt/slides/slide8.xml><?xml version="1.0" encoding="utf-8"?>
-<p:sld xmlns:a="http://schemas.openxmlformats.org/drawingml/2006/main" xmlns:r="http://schemas.openxmlformats.org/officeDocument/2006/relationships" xmlns:p="http://schemas.openxmlformats.org/presentationml/2006/main">
-  <p:cSld>
-    <p:spTree>
-      <p:nvGrpSpPr>
-        <p:cNvPr id="1" name=""/>
-        <p:cNvGrpSpPr/>
-        <p:nvPr/>
-      </p:nvGrpSpPr>
-      <p:grpSpPr>
-        <a:xfrm>
-          <a:off x="0" y="0"/>
-          <a:ext cx="0" cy="0"/>
-          <a:chOff x="0" y="0"/>
-          <a:chExt cx="0" cy="0"/>
-        </a:xfrm>
-      </p:grpSpPr>
-      <p:sp>
-        <p:nvSpPr>
-          <p:cNvPr id="2" name="Title 1">
-            <a:extLst>
-              <a:ext uri="{FF2B5EF4-FFF2-40B4-BE49-F238E27FC236}">
-                <a16:creationId xmlns:a16="http://schemas.microsoft.com/office/drawing/2014/main" id="{488288C9-F16A-4BBC-BF72-E6CA2FE44DA6}"/>
-              </a:ext>
-            </a:extLst>
-          </p:cNvPr>
-          <p:cNvSpPr>
-            <a:spLocks noGrp="1"/>
-          </p:cNvSpPr>
-          <p:nvPr>
-            <p:ph type="title"/>
-          </p:nvPr>
-        </p:nvSpPr>
-        <p:spPr/>
-        <p:txBody>
-          <a:bodyPr/>
-          <a:lstStyle/>
-          <a:p>
-            <a:r>
-              <a:rPr lang="en-GB" dirty="0"/>
-              <a:t>The SOLID principles</a:t>
-            </a:r>
-          </a:p>
-        </p:txBody>
-      </p:sp>
-      <p:sp>
-        <p:nvSpPr>
-          <p:cNvPr id="3" name="Content Placeholder 2">
-            <a:extLst>
-              <a:ext uri="{FF2B5EF4-FFF2-40B4-BE49-F238E27FC236}">
-                <a16:creationId xmlns:a16="http://schemas.microsoft.com/office/drawing/2014/main" id="{70217986-E5EA-4924-B7BD-4AAB2CEDC370}"/>
-              </a:ext>
-            </a:extLst>
-          </p:cNvPr>
-          <p:cNvSpPr>
-            <a:spLocks noGrp="1"/>
-          </p:cNvSpPr>
-          <p:nvPr>
-            <p:ph idx="1"/>
-          </p:nvPr>
-        </p:nvSpPr>
-        <p:spPr/>
-        <p:txBody>
-          <a:bodyPr/>
-          <a:lstStyle/>
-          <a:p>
-            <a:r>
-              <a:rPr lang="en-GB" dirty="0"/>
-              <a:t>Single Responsibility Principle  </a:t>
-            </a:r>
-          </a:p>
-          <a:p>
-            <a:r>
-              <a:rPr lang="en-GB" dirty="0"/>
-              <a:t>Open for extension closed for change Principle</a:t>
-            </a:r>
-          </a:p>
-          <a:p>
-            <a:r>
-              <a:rPr lang="en-GB" dirty="0" err="1"/>
-              <a:t>Liscov</a:t>
-            </a:r>
-            <a:r>
-              <a:rPr lang="en-GB" dirty="0"/>
-              <a:t> Substitution Principle</a:t>
-            </a:r>
-          </a:p>
-          <a:p>
-            <a:r>
-              <a:rPr lang="en-GB" dirty="0"/>
-              <a:t>Interface Segregation Principle </a:t>
-            </a:r>
-          </a:p>
-          <a:p>
-            <a:r>
-              <a:rPr lang="en-GB" dirty="0"/>
-              <a:t>Dependence Inversion Principle</a:t>
-            </a:r>
-          </a:p>
-          <a:p>
-            <a:pPr marL="0" indent="0">
-              <a:buNone/>
-            </a:pPr>
-            <a:endParaRPr lang="en-GB" dirty="0"/>
-          </a:p>
-          <a:p>
-            <a:pPr marL="0" indent="0">
-              <a:buNone/>
-            </a:pPr>
-            <a:endParaRPr lang="en-GB" dirty="0"/>
-          </a:p>
-        </p:txBody>
-      </p:sp>
-    </p:spTree>
-    <p:extLst>
-      <p:ext uri="{BB962C8B-B14F-4D97-AF65-F5344CB8AC3E}">
-        <p14:creationId xmlns:p14="http://schemas.microsoft.com/office/powerpoint/2010/main" val="2886802197"/>
-      </p:ext>
-    </p:extLst>
-  </p:cSld>
-  <p:clrMapOvr>
-    <a:masterClrMapping/>
-  </p:clrMapOvr>
-  <mc:AlternateContent xmlns:mc="http://schemas.openxmlformats.org/markup-compatibility/2006">
-    <mc:Choice xmlns:p14="http://schemas.microsoft.com/office/powerpoint/2010/main" Requires="p14">
-      <p:transition spd="slow" p14:dur="2000" advTm="285279"/>
-    </mc:Choice>
-    <mc:Fallback>
-      <p:transition spd="slow" advTm="285279"/>
+      <p:transition spd="slow" advTm="3023"/>
     </mc:Fallback>
   </mc:AlternateContent>
 </p:sld>
@@ -5767,60 +6360,64 @@
           <a:lstStyle/>
           <a:p>
             <a:r>
+              <a:rPr lang="en-GB" dirty="0"/>
+              <a:t>The SOLID principles</a:t>
+            </a:r>
+          </a:p>
+        </p:txBody>
+      </p:sp>
+      <p:sp>
+        <p:nvSpPr>
+          <p:cNvPr id="3" name="Content Placeholder 2">
+            <a:extLst>
+              <a:ext uri="{FF2B5EF4-FFF2-40B4-BE49-F238E27FC236}">
+                <a16:creationId xmlns:a16="http://schemas.microsoft.com/office/drawing/2014/main" id="{70217986-E5EA-4924-B7BD-4AAB2CEDC370}"/>
+              </a:ext>
+            </a:extLst>
+          </p:cNvPr>
+          <p:cNvSpPr>
+            <a:spLocks noGrp="1"/>
+          </p:cNvSpPr>
+          <p:nvPr>
+            <p:ph idx="1"/>
+          </p:nvPr>
+        </p:nvSpPr>
+        <p:spPr/>
+        <p:txBody>
+          <a:bodyPr/>
+          <a:lstStyle/>
+          <a:p>
+            <a:r>
+              <a:rPr lang="en-GB" dirty="0"/>
+              <a:t>Single Responsibility Principle  </a:t>
+            </a:r>
+          </a:p>
+          <a:p>
+            <a:r>
+              <a:rPr lang="en-GB" dirty="0"/>
+              <a:t>Open for extension closed for change Principle</a:t>
+            </a:r>
+          </a:p>
+          <a:p>
+            <a:r>
               <a:rPr lang="en-GB" dirty="0" err="1"/>
-              <a:t>Depenency</a:t>
-            </a:r>
-            <a:r>
-              <a:rPr lang="en-GB" dirty="0"/>
-              <a:t> Injection</a:t>
-            </a:r>
-          </a:p>
-        </p:txBody>
-      </p:sp>
-      <p:sp>
-        <p:nvSpPr>
-          <p:cNvPr id="3" name="Content Placeholder 2">
-            <a:extLst>
-              <a:ext uri="{FF2B5EF4-FFF2-40B4-BE49-F238E27FC236}">
-                <a16:creationId xmlns:a16="http://schemas.microsoft.com/office/drawing/2014/main" id="{70217986-E5EA-4924-B7BD-4AAB2CEDC370}"/>
-              </a:ext>
-            </a:extLst>
-          </p:cNvPr>
-          <p:cNvSpPr>
-            <a:spLocks noGrp="1"/>
-          </p:cNvSpPr>
-          <p:nvPr>
-            <p:ph idx="1"/>
-          </p:nvPr>
-        </p:nvSpPr>
-        <p:spPr/>
-        <p:txBody>
-          <a:bodyPr/>
-          <a:lstStyle/>
-          <a:p>
-            <a:r>
-              <a:rPr lang="en-GB" dirty="0"/>
-              <a:t>Using Auto </a:t>
-            </a:r>
-            <a:r>
-              <a:rPr lang="en-GB" dirty="0" err="1"/>
-              <a:t>Fac</a:t>
-            </a:r>
-            <a:r>
-              <a:rPr lang="en-GB" dirty="0"/>
-              <a:t> </a:t>
-            </a:r>
-          </a:p>
-          <a:p>
-            <a:r>
-              <a:rPr lang="en-GB" dirty="0"/>
-              <a:t>Gives us full control over how we call our classes and makes code Testable</a:t>
-            </a:r>
-          </a:p>
-          <a:p>
-            <a:r>
-              <a:rPr lang="en-GB" dirty="0"/>
-              <a:t>Set it up.</a:t>
+              <a:t>Liskov</a:t>
+            </a:r>
+            <a:r>
+              <a:rPr lang="en-GB" dirty="0"/>
+              <a:t> Substitution Principle</a:t>
+            </a:r>
+          </a:p>
+          <a:p>
+            <a:r>
+              <a:rPr lang="en-GB" dirty="0"/>
+              <a:t>Interface Segregation Principle </a:t>
+            </a:r>
+          </a:p>
+          <a:p>
+            <a:r>
+              <a:rPr lang="en-GB" dirty="0"/>
+              <a:t>Dependence Inversion Principle</a:t>
             </a:r>
           </a:p>
           <a:p>
@@ -5829,60 +6426,24 @@
             </a:pPr>
             <a:endParaRPr lang="en-GB" dirty="0"/>
           </a:p>
-          <a:p>
-            <a:pPr marL="0" indent="0">
-              <a:buNone/>
-            </a:pPr>
-            <a:endParaRPr lang="en-GB" dirty="0"/>
-          </a:p>
-        </p:txBody>
-      </p:sp>
-      <p:pic>
-        <p:nvPicPr>
-          <p:cNvPr id="4" name="Picture 3">
-            <a:extLst>
-              <a:ext uri="{FF2B5EF4-FFF2-40B4-BE49-F238E27FC236}">
-                <a16:creationId xmlns:a16="http://schemas.microsoft.com/office/drawing/2014/main" id="{61E69686-C13D-4B10-87F8-75C2FB9A79B5}"/>
-              </a:ext>
-            </a:extLst>
-          </p:cNvPr>
-          <p:cNvPicPr>
-            <a:picLocks noChangeAspect="1"/>
-          </p:cNvPicPr>
-          <p:nvPr/>
-        </p:nvPicPr>
-        <p:blipFill>
-          <a:blip r:embed="rId2"/>
-          <a:stretch>
-            <a:fillRect/>
-          </a:stretch>
-        </p:blipFill>
-        <p:spPr>
-          <a:xfrm>
-            <a:off x="744280" y="3872577"/>
-            <a:ext cx="8749819" cy="2859558"/>
-          </a:xfrm>
-          <a:prstGeom prst="rect">
-            <a:avLst/>
-          </a:prstGeom>
-        </p:spPr>
-      </p:pic>
+        </p:txBody>
+      </p:sp>
     </p:spTree>
     <p:extLst>
       <p:ext uri="{BB962C8B-B14F-4D97-AF65-F5344CB8AC3E}">
-        <p14:creationId xmlns:p14="http://schemas.microsoft.com/office/powerpoint/2010/main" val="489318972"/>
+        <p14:creationId xmlns:p14="http://schemas.microsoft.com/office/powerpoint/2010/main" val="2886802197"/>
       </p:ext>
     </p:extLst>
   </p:cSld>
   <p:clrMapOvr>
     <a:masterClrMapping/>
   </p:clrMapOvr>
-  <mc:AlternateContent xmlns:mc="http://schemas.openxmlformats.org/markup-compatibility/2006">
-    <mc:Choice xmlns:p14="http://schemas.microsoft.com/office/powerpoint/2010/main" Requires="p14">
-      <p:transition spd="slow" p14:dur="2000" advTm="21951"/>
+  <mc:AlternateContent xmlns:mc="http://schemas.openxmlformats.org/markup-compatibility/2006" xmlns:p14="http://schemas.microsoft.com/office/powerpoint/2010/main">
+    <mc:Choice Requires="p14">
+      <p:transition spd="slow" p14:dur="2000" advTm="285279"/>
     </mc:Choice>
-    <mc:Fallback>
-      <p:transition spd="slow" advTm="21951"/>
+    <mc:Fallback xmlns="">
+      <p:transition spd="slow" advTm="285279"/>
     </mc:Fallback>
   </mc:AlternateContent>
 </p:sld>

--- a/Coding Tests/TrainRideDemo/A SOLID ride with .NET Design Patterns.pptx
+++ b/Coding Tests/TrainRideDemo/A SOLID ride with .NET Design Patterns.pptx
@@ -6,27 +6,26 @@
     <p:sldMasterId id="2147483660" r:id="rId2"/>
   </p:sldMasterIdLst>
   <p:notesMasterIdLst>
-    <p:notesMasterId r:id="rId21"/>
+    <p:notesMasterId r:id="rId20"/>
   </p:notesMasterIdLst>
   <p:sldIdLst>
     <p:sldId id="256" r:id="rId3"/>
-    <p:sldId id="273" r:id="rId4"/>
-    <p:sldId id="257" r:id="rId5"/>
-    <p:sldId id="258" r:id="rId6"/>
-    <p:sldId id="259" r:id="rId7"/>
-    <p:sldId id="260" r:id="rId8"/>
-    <p:sldId id="261" r:id="rId9"/>
-    <p:sldId id="262" r:id="rId10"/>
-    <p:sldId id="263" r:id="rId11"/>
-    <p:sldId id="264" r:id="rId12"/>
-    <p:sldId id="265" r:id="rId13"/>
-    <p:sldId id="266" r:id="rId14"/>
-    <p:sldId id="267" r:id="rId15"/>
-    <p:sldId id="268" r:id="rId16"/>
-    <p:sldId id="270" r:id="rId17"/>
-    <p:sldId id="271" r:id="rId18"/>
-    <p:sldId id="272" r:id="rId19"/>
-    <p:sldId id="269" r:id="rId20"/>
+    <p:sldId id="257" r:id="rId4"/>
+    <p:sldId id="258" r:id="rId5"/>
+    <p:sldId id="259" r:id="rId6"/>
+    <p:sldId id="260" r:id="rId7"/>
+    <p:sldId id="261" r:id="rId8"/>
+    <p:sldId id="262" r:id="rId9"/>
+    <p:sldId id="263" r:id="rId10"/>
+    <p:sldId id="264" r:id="rId11"/>
+    <p:sldId id="265" r:id="rId12"/>
+    <p:sldId id="266" r:id="rId13"/>
+    <p:sldId id="267" r:id="rId14"/>
+    <p:sldId id="268" r:id="rId15"/>
+    <p:sldId id="270" r:id="rId16"/>
+    <p:sldId id="271" r:id="rId17"/>
+    <p:sldId id="272" r:id="rId18"/>
+    <p:sldId id="269" r:id="rId19"/>
   </p:sldIdLst>
   <p:sldSz cx="12192000" cy="6858000"/>
   <p:notesSz cx="6858000" cy="9144000"/>
@@ -215,7 +214,7 @@
           <a:p>
             <a:fld id="{0373D213-4F49-4C53-8915-AB6A82B09193}" type="datetimeFigureOut">
               <a:rPr lang="en-GB" smtClean="0"/>
-              <a:t>25/03/2019</a:t>
+              <a:t>27/03/2019</a:t>
             </a:fld>
             <a:endParaRPr lang="en-GB"/>
           </a:p>
@@ -716,7 +715,7 @@
           <a:p>
             <a:fld id="{AA15CCEC-4B94-4379-BA39-FE676EB1D694}" type="datetimeFigureOut">
               <a:rPr lang="en-GB" smtClean="0"/>
-              <a:t>25/03/2019</a:t>
+              <a:t>27/03/2019</a:t>
             </a:fld>
             <a:endParaRPr lang="en-GB"/>
           </a:p>
@@ -916,7 +915,7 @@
           <a:p>
             <a:fld id="{AA15CCEC-4B94-4379-BA39-FE676EB1D694}" type="datetimeFigureOut">
               <a:rPr lang="en-GB" smtClean="0"/>
-              <a:t>25/03/2019</a:t>
+              <a:t>27/03/2019</a:t>
             </a:fld>
             <a:endParaRPr lang="en-GB"/>
           </a:p>
@@ -1126,7 +1125,7 @@
           <a:p>
             <a:fld id="{AA15CCEC-4B94-4379-BA39-FE676EB1D694}" type="datetimeFigureOut">
               <a:rPr lang="en-GB" smtClean="0"/>
-              <a:t>25/03/2019</a:t>
+              <a:t>27/03/2019</a:t>
             </a:fld>
             <a:endParaRPr lang="en-GB"/>
           </a:p>
@@ -1386,7 +1385,7 @@
           <a:p>
             <a:fld id="{AA15CCEC-4B94-4379-BA39-FE676EB1D694}" type="datetimeFigureOut">
               <a:rPr lang="en-GB" smtClean="0"/>
-              <a:t>25/03/2019</a:t>
+              <a:t>27/03/2019</a:t>
             </a:fld>
             <a:endParaRPr lang="en-GB"/>
           </a:p>
@@ -1662,7 +1661,7 @@
           <a:p>
             <a:fld id="{AA15CCEC-4B94-4379-BA39-FE676EB1D694}" type="datetimeFigureOut">
               <a:rPr lang="en-GB" smtClean="0"/>
-              <a:t>25/03/2019</a:t>
+              <a:t>27/03/2019</a:t>
             </a:fld>
             <a:endParaRPr lang="en-GB"/>
           </a:p>
@@ -1930,7 +1929,7 @@
           <a:p>
             <a:fld id="{AA15CCEC-4B94-4379-BA39-FE676EB1D694}" type="datetimeFigureOut">
               <a:rPr lang="en-GB" smtClean="0"/>
-              <a:t>25/03/2019</a:t>
+              <a:t>27/03/2019</a:t>
             </a:fld>
             <a:endParaRPr lang="en-GB"/>
           </a:p>
@@ -2345,7 +2344,7 @@
           <a:p>
             <a:fld id="{AA15CCEC-4B94-4379-BA39-FE676EB1D694}" type="datetimeFigureOut">
               <a:rPr lang="en-GB" smtClean="0"/>
-              <a:t>25/03/2019</a:t>
+              <a:t>27/03/2019</a:t>
             </a:fld>
             <a:endParaRPr lang="en-GB"/>
           </a:p>
@@ -2487,7 +2486,7 @@
           <a:p>
             <a:fld id="{AA15CCEC-4B94-4379-BA39-FE676EB1D694}" type="datetimeFigureOut">
               <a:rPr lang="en-GB" smtClean="0"/>
-              <a:t>25/03/2019</a:t>
+              <a:t>27/03/2019</a:t>
             </a:fld>
             <a:endParaRPr lang="en-GB"/>
           </a:p>
@@ -2600,7 +2599,7 @@
           <a:p>
             <a:fld id="{AA15CCEC-4B94-4379-BA39-FE676EB1D694}" type="datetimeFigureOut">
               <a:rPr lang="en-GB" smtClean="0"/>
-              <a:t>25/03/2019</a:t>
+              <a:t>27/03/2019</a:t>
             </a:fld>
             <a:endParaRPr lang="en-GB"/>
           </a:p>
@@ -2913,7 +2912,7 @@
           <a:p>
             <a:fld id="{AA15CCEC-4B94-4379-BA39-FE676EB1D694}" type="datetimeFigureOut">
               <a:rPr lang="en-GB" smtClean="0"/>
-              <a:t>25/03/2019</a:t>
+              <a:t>27/03/2019</a:t>
             </a:fld>
             <a:endParaRPr lang="en-GB"/>
           </a:p>
@@ -3202,7 +3201,7 @@
           <a:p>
             <a:fld id="{AA15CCEC-4B94-4379-BA39-FE676EB1D694}" type="datetimeFigureOut">
               <a:rPr lang="en-GB" smtClean="0"/>
-              <a:t>25/03/2019</a:t>
+              <a:t>27/03/2019</a:t>
             </a:fld>
             <a:endParaRPr lang="en-GB"/>
           </a:p>
@@ -3445,7 +3444,7 @@
           <a:p>
             <a:fld id="{AA15CCEC-4B94-4379-BA39-FE676EB1D694}" type="datetimeFigureOut">
               <a:rPr lang="en-GB" smtClean="0"/>
-              <a:t>25/03/2019</a:t>
+              <a:t>27/03/2019</a:t>
             </a:fld>
             <a:endParaRPr lang="en-GB"/>
           </a:p>
@@ -4290,11 +4289,11 @@
   <p:clrMapOvr>
     <a:masterClrMapping/>
   </p:clrMapOvr>
-  <mc:AlternateContent xmlns:mc="http://schemas.openxmlformats.org/markup-compatibility/2006">
-    <mc:Choice xmlns:p14="http://schemas.microsoft.com/office/powerpoint/2010/main" Requires="p14">
+  <mc:AlternateContent xmlns:mc="http://schemas.openxmlformats.org/markup-compatibility/2006" xmlns:p14="http://schemas.microsoft.com/office/powerpoint/2010/main">
+    <mc:Choice Requires="p14">
       <p:transition spd="slow" p14:dur="2000" advTm="34723"/>
     </mc:Choice>
-    <mc:Fallback>
+    <mc:Fallback xmlns="">
       <p:transition spd="slow" advTm="34723"/>
     </mc:Fallback>
   </mc:AlternateContent>
@@ -4341,7 +4340,7 @@
           <a:p>
             <a:r>
               <a:rPr lang="en-GB" dirty="0"/>
-              <a:t>Dependency Injection</a:t>
+              <a:t>Test Driven Development</a:t>
             </a:r>
           </a:p>
         </p:txBody>
@@ -4369,27 +4368,25 @@
           <a:p>
             <a:r>
               <a:rPr lang="en-GB" dirty="0"/>
-              <a:t>Using Auto </a:t>
-            </a:r>
-            <a:r>
-              <a:rPr lang="en-GB" dirty="0" err="1"/>
-              <a:t>Fac</a:t>
-            </a:r>
+              <a:t>Getting the job done</a:t>
+            </a:r>
+          </a:p>
+          <a:p>
             <a:r>
               <a:rPr lang="en-GB" dirty="0"/>
-              <a:t> </a:t>
+              <a:t>No production code until a failing test has been wrote</a:t>
             </a:r>
           </a:p>
           <a:p>
             <a:r>
               <a:rPr lang="en-GB" dirty="0"/>
-              <a:t>Gives us full control over how we call our classes and makes code Testable</a:t>
+              <a:t>Do not write any more of a unit test than is sufficient to fail</a:t>
             </a:r>
           </a:p>
           <a:p>
             <a:r>
               <a:rPr lang="en-GB" dirty="0"/>
-              <a:t>Set it up.</a:t>
+              <a:t>Do not write any more production code until all the tests pass</a:t>
             </a:r>
           </a:p>
           <a:p>
@@ -4406,40 +4403,10 @@
           </a:p>
         </p:txBody>
       </p:sp>
-      <p:pic>
-        <p:nvPicPr>
-          <p:cNvPr id="4" name="Picture 3">
-            <a:extLst>
-              <a:ext uri="{FF2B5EF4-FFF2-40B4-BE49-F238E27FC236}">
-                <a16:creationId xmlns:a16="http://schemas.microsoft.com/office/drawing/2014/main" id="{61E69686-C13D-4B10-87F8-75C2FB9A79B5}"/>
-              </a:ext>
-            </a:extLst>
-          </p:cNvPr>
-          <p:cNvPicPr>
-            <a:picLocks noChangeAspect="1"/>
-          </p:cNvPicPr>
-          <p:nvPr/>
-        </p:nvPicPr>
-        <p:blipFill>
-          <a:blip r:embed="rId2"/>
-          <a:stretch>
-            <a:fillRect/>
-          </a:stretch>
-        </p:blipFill>
-        <p:spPr>
-          <a:xfrm>
-            <a:off x="744280" y="3872577"/>
-            <a:ext cx="8749819" cy="2859558"/>
-          </a:xfrm>
-          <a:prstGeom prst="rect">
-            <a:avLst/>
-          </a:prstGeom>
-        </p:spPr>
-      </p:pic>
     </p:spTree>
     <p:extLst>
       <p:ext uri="{BB962C8B-B14F-4D97-AF65-F5344CB8AC3E}">
-        <p14:creationId xmlns:p14="http://schemas.microsoft.com/office/powerpoint/2010/main" val="489318972"/>
+        <p14:creationId xmlns:p14="http://schemas.microsoft.com/office/powerpoint/2010/main" val="91437700"/>
       </p:ext>
     </p:extLst>
   </p:cSld>
@@ -4448,10 +4415,10 @@
   </p:clrMapOvr>
   <mc:AlternateContent xmlns:mc="http://schemas.openxmlformats.org/markup-compatibility/2006" xmlns:p14="http://schemas.microsoft.com/office/powerpoint/2010/main">
     <mc:Choice Requires="p14">
-      <p:transition spd="slow" p14:dur="2000" advTm="21951"/>
+      <p:transition spd="slow" p14:dur="2000" advTm="80030"/>
     </mc:Choice>
     <mc:Fallback xmlns="">
-      <p:transition spd="slow" advTm="21951"/>
+      <p:transition spd="slow" advTm="80030"/>
     </mc:Fallback>
   </mc:AlternateContent>
 </p:sld>
@@ -4479,130 +4446,6 @@
           <p:cNvPr id="2" name="Title 1">
             <a:extLst>
               <a:ext uri="{FF2B5EF4-FFF2-40B4-BE49-F238E27FC236}">
-                <a16:creationId xmlns:a16="http://schemas.microsoft.com/office/drawing/2014/main" id="{488288C9-F16A-4BBC-BF72-E6CA2FE44DA6}"/>
-              </a:ext>
-            </a:extLst>
-          </p:cNvPr>
-          <p:cNvSpPr>
-            <a:spLocks noGrp="1"/>
-          </p:cNvSpPr>
-          <p:nvPr>
-            <p:ph type="title"/>
-          </p:nvPr>
-        </p:nvSpPr>
-        <p:spPr/>
-        <p:txBody>
-          <a:bodyPr/>
-          <a:lstStyle/>
-          <a:p>
-            <a:r>
-              <a:rPr lang="en-GB" dirty="0"/>
-              <a:t>Test Driven Development</a:t>
-            </a:r>
-          </a:p>
-        </p:txBody>
-      </p:sp>
-      <p:sp>
-        <p:nvSpPr>
-          <p:cNvPr id="3" name="Content Placeholder 2">
-            <a:extLst>
-              <a:ext uri="{FF2B5EF4-FFF2-40B4-BE49-F238E27FC236}">
-                <a16:creationId xmlns:a16="http://schemas.microsoft.com/office/drawing/2014/main" id="{70217986-E5EA-4924-B7BD-4AAB2CEDC370}"/>
-              </a:ext>
-            </a:extLst>
-          </p:cNvPr>
-          <p:cNvSpPr>
-            <a:spLocks noGrp="1"/>
-          </p:cNvSpPr>
-          <p:nvPr>
-            <p:ph idx="1"/>
-          </p:nvPr>
-        </p:nvSpPr>
-        <p:spPr/>
-        <p:txBody>
-          <a:bodyPr/>
-          <a:lstStyle/>
-          <a:p>
-            <a:r>
-              <a:rPr lang="en-GB" dirty="0"/>
-              <a:t>Getting the job done</a:t>
-            </a:r>
-          </a:p>
-          <a:p>
-            <a:r>
-              <a:rPr lang="en-GB" dirty="0"/>
-              <a:t>No production code until a failing test has been wrote</a:t>
-            </a:r>
-          </a:p>
-          <a:p>
-            <a:r>
-              <a:rPr lang="en-GB" dirty="0"/>
-              <a:t>Do not write any more of a unit test than is sufficient to fail</a:t>
-            </a:r>
-          </a:p>
-          <a:p>
-            <a:r>
-              <a:rPr lang="en-GB" dirty="0"/>
-              <a:t>Do not write any more production code until all the tests pass</a:t>
-            </a:r>
-          </a:p>
-          <a:p>
-            <a:pPr marL="0" indent="0">
-              <a:buNone/>
-            </a:pPr>
-            <a:endParaRPr lang="en-GB" dirty="0"/>
-          </a:p>
-          <a:p>
-            <a:pPr marL="0" indent="0">
-              <a:buNone/>
-            </a:pPr>
-            <a:endParaRPr lang="en-GB" dirty="0"/>
-          </a:p>
-        </p:txBody>
-      </p:sp>
-    </p:spTree>
-    <p:extLst>
-      <p:ext uri="{BB962C8B-B14F-4D97-AF65-F5344CB8AC3E}">
-        <p14:creationId xmlns:p14="http://schemas.microsoft.com/office/powerpoint/2010/main" val="91437700"/>
-      </p:ext>
-    </p:extLst>
-  </p:cSld>
-  <p:clrMapOvr>
-    <a:masterClrMapping/>
-  </p:clrMapOvr>
-  <mc:AlternateContent xmlns:mc="http://schemas.openxmlformats.org/markup-compatibility/2006" xmlns:p14="http://schemas.microsoft.com/office/powerpoint/2010/main">
-    <mc:Choice Requires="p14">
-      <p:transition spd="slow" p14:dur="2000" advTm="80030"/>
-    </mc:Choice>
-    <mc:Fallback xmlns="">
-      <p:transition spd="slow" advTm="80030"/>
-    </mc:Fallback>
-  </mc:AlternateContent>
-</p:sld>
-</file>
-
-<file path=ppt/slides/slide12.xml><?xml version="1.0" encoding="utf-8"?>
-<p:sld xmlns:a="http://schemas.openxmlformats.org/drawingml/2006/main" xmlns:r="http://schemas.openxmlformats.org/officeDocument/2006/relationships" xmlns:p="http://schemas.openxmlformats.org/presentationml/2006/main">
-  <p:cSld>
-    <p:spTree>
-      <p:nvGrpSpPr>
-        <p:cNvPr id="1" name=""/>
-        <p:cNvGrpSpPr/>
-        <p:nvPr/>
-      </p:nvGrpSpPr>
-      <p:grpSpPr>
-        <a:xfrm>
-          <a:off x="0" y="0"/>
-          <a:ext cx="0" cy="0"/>
-          <a:chOff x="0" y="0"/>
-          <a:chExt cx="0" cy="0"/>
-        </a:xfrm>
-      </p:grpSpPr>
-      <p:sp>
-        <p:nvSpPr>
-          <p:cNvPr id="2" name="Title 1">
-            <a:extLst>
-              <a:ext uri="{FF2B5EF4-FFF2-40B4-BE49-F238E27FC236}">
                 <a16:creationId xmlns:a16="http://schemas.microsoft.com/office/drawing/2014/main" id="{708388E6-7152-48BE-B88B-279069C1D565}"/>
               </a:ext>
             </a:extLst>
@@ -4687,7 +4530,7 @@
 </p:sld>
 </file>
 
-<file path=ppt/slides/slide13.xml><?xml version="1.0" encoding="utf-8"?>
+<file path=ppt/slides/slide12.xml><?xml version="1.0" encoding="utf-8"?>
 <p:sld xmlns:a="http://schemas.openxmlformats.org/drawingml/2006/main" xmlns:r="http://schemas.openxmlformats.org/officeDocument/2006/relationships" xmlns:p="http://schemas.openxmlformats.org/presentationml/2006/main">
   <p:cSld>
     <p:spTree>
@@ -4785,7 +4628,7 @@
 </p:sld>
 </file>
 
-<file path=ppt/slides/slide14.xml><?xml version="1.0" encoding="utf-8"?>
+<file path=ppt/slides/slide13.xml><?xml version="1.0" encoding="utf-8"?>
 <p:sld xmlns:a="http://schemas.openxmlformats.org/drawingml/2006/main" xmlns:r="http://schemas.openxmlformats.org/officeDocument/2006/relationships" xmlns:p="http://schemas.openxmlformats.org/presentationml/2006/main">
   <p:cSld>
     <p:spTree>
@@ -4903,7 +4746,7 @@
 </p:sld>
 </file>
 
-<file path=ppt/slides/slide15.xml><?xml version="1.0" encoding="utf-8"?>
+<file path=ppt/slides/slide14.xml><?xml version="1.0" encoding="utf-8"?>
 <p:sld xmlns:a="http://schemas.openxmlformats.org/drawingml/2006/main" xmlns:r="http://schemas.openxmlformats.org/officeDocument/2006/relationships" xmlns:p="http://schemas.openxmlformats.org/presentationml/2006/main">
   <p:cSld>
     <p:spTree>
@@ -5147,7 +4990,7 @@
 </p:sld>
 </file>
 
-<file path=ppt/slides/slide16.xml><?xml version="1.0" encoding="utf-8"?>
+<file path=ppt/slides/slide15.xml><?xml version="1.0" encoding="utf-8"?>
 <p:sld xmlns:a="http://schemas.openxmlformats.org/drawingml/2006/main" xmlns:r="http://schemas.openxmlformats.org/officeDocument/2006/relationships" xmlns:p="http://schemas.openxmlformats.org/presentationml/2006/main">
   <p:cSld>
     <p:spTree>
@@ -5288,7 +5131,7 @@
 </p:sld>
 </file>
 
-<file path=ppt/slides/slide17.xml><?xml version="1.0" encoding="utf-8"?>
+<file path=ppt/slides/slide16.xml><?xml version="1.0" encoding="utf-8"?>
 <p:sld xmlns:a="http://schemas.openxmlformats.org/drawingml/2006/main" xmlns:r="http://schemas.openxmlformats.org/officeDocument/2006/relationships" xmlns:p="http://schemas.openxmlformats.org/presentationml/2006/main">
   <p:cSld>
     <p:spTree>
@@ -5386,7 +5229,7 @@
 </p:sld>
 </file>
 
-<file path=ppt/slides/slide18.xml><?xml version="1.0" encoding="utf-8"?>
+<file path=ppt/slides/slide17.xml><?xml version="1.0" encoding="utf-8"?>
 <p:sld xmlns:a="http://schemas.openxmlformats.org/drawingml/2006/main" xmlns:r="http://schemas.openxmlformats.org/officeDocument/2006/relationships" xmlns:p="http://schemas.openxmlformats.org/presentationml/2006/main">
   <p:cSld>
     <p:spTree>
@@ -5526,15 +5369,15 @@
           <p:cNvPr id="2" name="Title 1">
             <a:extLst>
               <a:ext uri="{FF2B5EF4-FFF2-40B4-BE49-F238E27FC236}">
-                <a16:creationId xmlns:a16="http://schemas.microsoft.com/office/drawing/2014/main" id="{06581FF7-6776-458C-AD1F-4D676E1146F1}"/>
-              </a:ext>
-            </a:extLst>
-          </p:cNvPr>
-          <p:cNvSpPr>
-            <a:spLocks noGrp="1"/>
-          </p:cNvSpPr>
-          <p:nvPr>
-            <p:ph type="ctrTitle"/>
+                <a16:creationId xmlns:a16="http://schemas.microsoft.com/office/drawing/2014/main" id="{488288C9-F16A-4BBC-BF72-E6CA2FE44DA6}"/>
+              </a:ext>
+            </a:extLst>
+          </p:cNvPr>
+          <p:cNvSpPr>
+            <a:spLocks noGrp="1"/>
+          </p:cNvSpPr>
+          <p:nvPr>
+            <p:ph type="title"/>
           </p:nvPr>
         </p:nvSpPr>
         <p:spPr/>
@@ -5544,25 +5387,25 @@
           <a:p>
             <a:r>
               <a:rPr lang="en-GB" dirty="0"/>
-              <a:t>We Are Recruiting</a:t>
-            </a:r>
-          </a:p>
-        </p:txBody>
-      </p:sp>
-      <p:sp>
-        <p:nvSpPr>
-          <p:cNvPr id="3" name="Subtitle 2">
-            <a:extLst>
-              <a:ext uri="{FF2B5EF4-FFF2-40B4-BE49-F238E27FC236}">
-                <a16:creationId xmlns:a16="http://schemas.microsoft.com/office/drawing/2014/main" id="{010C9BFB-B36D-4576-BF71-C6A7A500912D}"/>
-              </a:ext>
-            </a:extLst>
-          </p:cNvPr>
-          <p:cNvSpPr>
-            <a:spLocks noGrp="1"/>
-          </p:cNvSpPr>
-          <p:nvPr>
-            <p:ph type="subTitle" idx="1"/>
+              <a:t>Reason for the talk</a:t>
+            </a:r>
+          </a:p>
+        </p:txBody>
+      </p:sp>
+      <p:sp>
+        <p:nvSpPr>
+          <p:cNvPr id="3" name="Content Placeholder 2">
+            <a:extLst>
+              <a:ext uri="{FF2B5EF4-FFF2-40B4-BE49-F238E27FC236}">
+                <a16:creationId xmlns:a16="http://schemas.microsoft.com/office/drawing/2014/main" id="{70217986-E5EA-4924-B7BD-4AAB2CEDC370}"/>
+              </a:ext>
+            </a:extLst>
+          </p:cNvPr>
+          <p:cNvSpPr>
+            <a:spLocks noGrp="1"/>
+          </p:cNvSpPr>
+          <p:nvPr>
+            <p:ph idx="1"/>
           </p:nvPr>
         </p:nvSpPr>
         <p:spPr/>
@@ -5572,39 +5415,45 @@
           <a:p>
             <a:r>
               <a:rPr lang="en-GB" dirty="0"/>
-              <a:t>ASP.NET MVC</a:t>
+              <a:t>It is just important to follow good coding practice</a:t>
             </a:r>
           </a:p>
           <a:p>
             <a:r>
               <a:rPr lang="en-GB" dirty="0"/>
-              <a:t>Entity Framework</a:t>
+              <a:t>It can be hard to find examples of SOLID practises</a:t>
             </a:r>
           </a:p>
           <a:p>
             <a:r>
               <a:rPr lang="en-GB" dirty="0"/>
-              <a:t>C#</a:t>
-            </a:r>
+              <a:t>Its fun to write code</a:t>
+            </a:r>
+          </a:p>
+          <a:p>
+            <a:pPr marL="0" indent="0">
+              <a:buNone/>
+            </a:pPr>
+            <a:endParaRPr lang="en-GB" dirty="0"/>
           </a:p>
         </p:txBody>
       </p:sp>
     </p:spTree>
     <p:extLst>
       <p:ext uri="{BB962C8B-B14F-4D97-AF65-F5344CB8AC3E}">
-        <p14:creationId xmlns:p14="http://schemas.microsoft.com/office/powerpoint/2010/main" val="1120121230"/>
+        <p14:creationId xmlns:p14="http://schemas.microsoft.com/office/powerpoint/2010/main" val="4184674939"/>
       </p:ext>
     </p:extLst>
   </p:cSld>
   <p:clrMapOvr>
     <a:masterClrMapping/>
   </p:clrMapOvr>
-  <mc:AlternateContent xmlns:mc="http://schemas.openxmlformats.org/markup-compatibility/2006">
-    <mc:Choice xmlns:p14="http://schemas.microsoft.com/office/powerpoint/2010/main" Requires="p14">
-      <p:transition spd="slow" p14:dur="2000" advTm="14815"/>
+  <mc:AlternateContent xmlns:mc="http://schemas.openxmlformats.org/markup-compatibility/2006" xmlns:p14="http://schemas.microsoft.com/office/powerpoint/2010/main">
+    <mc:Choice Requires="p14">
+      <p:transition spd="slow" p14:dur="2000" advTm="167"/>
     </mc:Choice>
-    <mc:Fallback>
-      <p:transition spd="slow" advTm="14815"/>
+    <mc:Fallback xmlns="">
+      <p:transition spd="slow" advTm="167"/>
     </mc:Fallback>
   </mc:AlternateContent>
 </p:sld>
@@ -5650,7 +5499,7 @@
           <a:p>
             <a:r>
               <a:rPr lang="en-GB" dirty="0"/>
-              <a:t>Reason for the talk</a:t>
+              <a:t>Work ethic</a:t>
             </a:r>
           </a:p>
         </p:txBody>
@@ -5678,19 +5527,19 @@
           <a:p>
             <a:r>
               <a:rPr lang="en-GB" dirty="0"/>
-              <a:t>It is just important to follow good coding practice</a:t>
+              <a:t>Your career is your responsibility</a:t>
             </a:r>
           </a:p>
           <a:p>
             <a:r>
               <a:rPr lang="en-GB" dirty="0"/>
-              <a:t>It can be hard to find examples of SOLID practises</a:t>
+              <a:t>Give you employer 40 hours and 20 hours for your Learning</a:t>
             </a:r>
           </a:p>
           <a:p>
             <a:r>
               <a:rPr lang="en-GB" dirty="0"/>
-              <a:t>Its fun to write code</a:t>
+              <a:t>56 hours for sleep and 52 for everything else</a:t>
             </a:r>
           </a:p>
           <a:p>
@@ -5699,24 +5548,30 @@
             </a:pPr>
             <a:endParaRPr lang="en-GB" dirty="0"/>
           </a:p>
+          <a:p>
+            <a:pPr marL="0" indent="0">
+              <a:buNone/>
+            </a:pPr>
+            <a:endParaRPr lang="en-GB" dirty="0"/>
+          </a:p>
         </p:txBody>
       </p:sp>
     </p:spTree>
     <p:extLst>
       <p:ext uri="{BB962C8B-B14F-4D97-AF65-F5344CB8AC3E}">
-        <p14:creationId xmlns:p14="http://schemas.microsoft.com/office/powerpoint/2010/main" val="4184674939"/>
+        <p14:creationId xmlns:p14="http://schemas.microsoft.com/office/powerpoint/2010/main" val="3315873702"/>
       </p:ext>
     </p:extLst>
   </p:cSld>
   <p:clrMapOvr>
     <a:masterClrMapping/>
   </p:clrMapOvr>
-  <mc:AlternateContent xmlns:mc="http://schemas.openxmlformats.org/markup-compatibility/2006">
-    <mc:Choice xmlns:p14="http://schemas.microsoft.com/office/powerpoint/2010/main" Requires="p14">
-      <p:transition spd="slow" p14:dur="2000" advTm="167"/>
+  <mc:AlternateContent xmlns:mc="http://schemas.openxmlformats.org/markup-compatibility/2006" xmlns:p14="http://schemas.microsoft.com/office/powerpoint/2010/main">
+    <mc:Choice Requires="p14">
+      <p:transition spd="slow" p14:dur="2000" advTm="108951"/>
     </mc:Choice>
-    <mc:Fallback>
-      <p:transition spd="slow" advTm="167"/>
+    <mc:Fallback xmlns="">
+      <p:transition spd="slow" advTm="108951"/>
     </mc:Fallback>
   </mc:AlternateContent>
 </p:sld>
@@ -5762,7 +5617,7 @@
           <a:p>
             <a:r>
               <a:rPr lang="en-GB" dirty="0"/>
-              <a:t>Work ethic</a:t>
+              <a:t>How we sometime work</a:t>
             </a:r>
           </a:p>
         </p:txBody>
@@ -5790,19 +5645,25 @@
           <a:p>
             <a:r>
               <a:rPr lang="en-GB" dirty="0"/>
-              <a:t>Your career is your responsibility</a:t>
+              <a:t>We are under pressure to get the job done</a:t>
             </a:r>
           </a:p>
           <a:p>
             <a:r>
               <a:rPr lang="en-GB" dirty="0"/>
-              <a:t>Give you employer 40 hours and 20 hours for your Learning</a:t>
+              <a:t>Stack over flow </a:t>
             </a:r>
           </a:p>
           <a:p>
             <a:r>
               <a:rPr lang="en-GB" dirty="0"/>
-              <a:t>56 hours for sleep and 52 for everything else</a:t>
+              <a:t>Cut and paste code</a:t>
+            </a:r>
+          </a:p>
+          <a:p>
+            <a:r>
+              <a:rPr lang="en-GB" dirty="0"/>
+              <a:t>Demo code is only designed to explain one issue</a:t>
             </a:r>
           </a:p>
           <a:p>
@@ -5811,30 +5672,24 @@
             </a:pPr>
             <a:endParaRPr lang="en-GB" dirty="0"/>
           </a:p>
-          <a:p>
-            <a:pPr marL="0" indent="0">
-              <a:buNone/>
-            </a:pPr>
-            <a:endParaRPr lang="en-GB" dirty="0"/>
-          </a:p>
         </p:txBody>
       </p:sp>
     </p:spTree>
     <p:extLst>
       <p:ext uri="{BB962C8B-B14F-4D97-AF65-F5344CB8AC3E}">
-        <p14:creationId xmlns:p14="http://schemas.microsoft.com/office/powerpoint/2010/main" val="3315873702"/>
+        <p14:creationId xmlns:p14="http://schemas.microsoft.com/office/powerpoint/2010/main" val="3466107176"/>
       </p:ext>
     </p:extLst>
   </p:cSld>
   <p:clrMapOvr>
     <a:masterClrMapping/>
   </p:clrMapOvr>
-  <mc:AlternateContent xmlns:mc="http://schemas.openxmlformats.org/markup-compatibility/2006">
-    <mc:Choice xmlns:p14="http://schemas.microsoft.com/office/powerpoint/2010/main" Requires="p14">
-      <p:transition spd="slow" p14:dur="2000" advTm="108951"/>
+  <mc:AlternateContent xmlns:mc="http://schemas.openxmlformats.org/markup-compatibility/2006" xmlns:p14="http://schemas.microsoft.com/office/powerpoint/2010/main">
+    <mc:Choice Requires="p14">
+      <p:transition spd="slow" p14:dur="2000" advTm="77873"/>
     </mc:Choice>
-    <mc:Fallback>
-      <p:transition spd="slow" advTm="108951"/>
+    <mc:Fallback xmlns="">
+      <p:transition spd="slow" advTm="77873"/>
     </mc:Fallback>
   </mc:AlternateContent>
 </p:sld>
@@ -5862,7 +5717,7 @@
           <p:cNvPr id="2" name="Title 1">
             <a:extLst>
               <a:ext uri="{FF2B5EF4-FFF2-40B4-BE49-F238E27FC236}">
-                <a16:creationId xmlns:a16="http://schemas.microsoft.com/office/drawing/2014/main" id="{488288C9-F16A-4BBC-BF72-E6CA2FE44DA6}"/>
+                <a16:creationId xmlns:a16="http://schemas.microsoft.com/office/drawing/2014/main" id="{0513E315-3B5D-4865-BAA7-4988D87AC20F}"/>
               </a:ext>
             </a:extLst>
           </p:cNvPr>
@@ -5880,79 +5735,66 @@
           <a:p>
             <a:r>
               <a:rPr lang="en-GB" dirty="0"/>
-              <a:t>How we sometime work</a:t>
-            </a:r>
-          </a:p>
-        </p:txBody>
-      </p:sp>
-      <p:sp>
-        <p:nvSpPr>
-          <p:cNvPr id="3" name="Content Placeholder 2">
-            <a:extLst>
-              <a:ext uri="{FF2B5EF4-FFF2-40B4-BE49-F238E27FC236}">
-                <a16:creationId xmlns:a16="http://schemas.microsoft.com/office/drawing/2014/main" id="{70217986-E5EA-4924-B7BD-4AAB2CEDC370}"/>
-              </a:ext>
-            </a:extLst>
-          </p:cNvPr>
-          <p:cNvSpPr>
-            <a:spLocks noGrp="1"/>
-          </p:cNvSpPr>
+              <a:t>Some books </a:t>
+            </a:r>
+            <a:r>
+              <a:rPr lang="en-GB"/>
+              <a:t>we could read</a:t>
+            </a:r>
+          </a:p>
+        </p:txBody>
+      </p:sp>
+      <p:pic>
+        <p:nvPicPr>
+          <p:cNvPr id="5" name="Content Placeholder 4">
+            <a:extLst>
+              <a:ext uri="{FF2B5EF4-FFF2-40B4-BE49-F238E27FC236}">
+                <a16:creationId xmlns:a16="http://schemas.microsoft.com/office/drawing/2014/main" id="{D4A875DC-0D70-4F0B-A100-6870636511CF}"/>
+              </a:ext>
+            </a:extLst>
+          </p:cNvPr>
+          <p:cNvPicPr>
+            <a:picLocks noGrp="1" noChangeAspect="1"/>
+          </p:cNvPicPr>
           <p:nvPr>
             <p:ph idx="1"/>
           </p:nvPr>
-        </p:nvSpPr>
-        <p:spPr/>
-        <p:txBody>
-          <a:bodyPr/>
-          <a:lstStyle/>
-          <a:p>
-            <a:r>
-              <a:rPr lang="en-GB" dirty="0"/>
-              <a:t>We are under pressure to get the job done</a:t>
-            </a:r>
-          </a:p>
-          <a:p>
-            <a:r>
-              <a:rPr lang="en-GB" dirty="0"/>
-              <a:t>Stack over flow </a:t>
-            </a:r>
-          </a:p>
-          <a:p>
-            <a:r>
-              <a:rPr lang="en-GB" dirty="0"/>
-              <a:t>Cut and paste code</a:t>
-            </a:r>
-          </a:p>
-          <a:p>
-            <a:r>
-              <a:rPr lang="en-GB" dirty="0"/>
-              <a:t>Demo code is only designed to explain one issue</a:t>
-            </a:r>
-          </a:p>
-          <a:p>
-            <a:pPr marL="0" indent="0">
-              <a:buNone/>
-            </a:pPr>
-            <a:endParaRPr lang="en-GB" dirty="0"/>
-          </a:p>
-        </p:txBody>
-      </p:sp>
+        </p:nvPicPr>
+        <p:blipFill>
+          <a:blip r:embed="rId2">
+            <a:extLst>
+              <a:ext uri="{28A0092B-C50C-407E-A947-70E740481C1C}">
+                <a14:useLocalDpi xmlns:a14="http://schemas.microsoft.com/office/drawing/2010/main" val="0"/>
+              </a:ext>
+            </a:extLst>
+          </a:blip>
+          <a:stretch>
+            <a:fillRect/>
+          </a:stretch>
+        </p:blipFill>
+        <p:spPr>
+          <a:xfrm>
+            <a:off x="4370347" y="1825625"/>
+            <a:ext cx="3451305" cy="4351338"/>
+          </a:xfrm>
+        </p:spPr>
+      </p:pic>
     </p:spTree>
     <p:extLst>
       <p:ext uri="{BB962C8B-B14F-4D97-AF65-F5344CB8AC3E}">
-        <p14:creationId xmlns:p14="http://schemas.microsoft.com/office/powerpoint/2010/main" val="3466107176"/>
+        <p14:creationId xmlns:p14="http://schemas.microsoft.com/office/powerpoint/2010/main" val="1119018272"/>
       </p:ext>
     </p:extLst>
   </p:cSld>
   <p:clrMapOvr>
     <a:masterClrMapping/>
   </p:clrMapOvr>
-  <mc:AlternateContent xmlns:mc="http://schemas.openxmlformats.org/markup-compatibility/2006">
-    <mc:Choice xmlns:p14="http://schemas.microsoft.com/office/powerpoint/2010/main" Requires="p14">
-      <p:transition spd="slow" p14:dur="2000" advTm="77873"/>
+  <mc:AlternateContent xmlns:mc="http://schemas.openxmlformats.org/markup-compatibility/2006" xmlns:p14="http://schemas.microsoft.com/office/powerpoint/2010/main">
+    <mc:Choice Requires="p14">
+      <p:transition spd="slow" p14:dur="2000" advTm="22287"/>
     </mc:Choice>
-    <mc:Fallback>
-      <p:transition spd="slow" advTm="77873"/>
+    <mc:Fallback xmlns="">
+      <p:transition spd="slow" advTm="22287"/>
     </mc:Fallback>
   </mc:AlternateContent>
 </p:sld>
@@ -5980,111 +5822,6 @@
           <p:cNvPr id="2" name="Title 1">
             <a:extLst>
               <a:ext uri="{FF2B5EF4-FFF2-40B4-BE49-F238E27FC236}">
-                <a16:creationId xmlns:a16="http://schemas.microsoft.com/office/drawing/2014/main" id="{0513E315-3B5D-4865-BAA7-4988D87AC20F}"/>
-              </a:ext>
-            </a:extLst>
-          </p:cNvPr>
-          <p:cNvSpPr>
-            <a:spLocks noGrp="1"/>
-          </p:cNvSpPr>
-          <p:nvPr>
-            <p:ph type="title"/>
-          </p:nvPr>
-        </p:nvSpPr>
-        <p:spPr/>
-        <p:txBody>
-          <a:bodyPr/>
-          <a:lstStyle/>
-          <a:p>
-            <a:r>
-              <a:rPr lang="en-GB" dirty="0"/>
-              <a:t>Some books </a:t>
-            </a:r>
-            <a:r>
-              <a:rPr lang="en-GB"/>
-              <a:t>we could read</a:t>
-            </a:r>
-          </a:p>
-        </p:txBody>
-      </p:sp>
-      <p:pic>
-        <p:nvPicPr>
-          <p:cNvPr id="5" name="Content Placeholder 4">
-            <a:extLst>
-              <a:ext uri="{FF2B5EF4-FFF2-40B4-BE49-F238E27FC236}">
-                <a16:creationId xmlns:a16="http://schemas.microsoft.com/office/drawing/2014/main" id="{D4A875DC-0D70-4F0B-A100-6870636511CF}"/>
-              </a:ext>
-            </a:extLst>
-          </p:cNvPr>
-          <p:cNvPicPr>
-            <a:picLocks noGrp="1" noChangeAspect="1"/>
-          </p:cNvPicPr>
-          <p:nvPr>
-            <p:ph idx="1"/>
-          </p:nvPr>
-        </p:nvPicPr>
-        <p:blipFill>
-          <a:blip r:embed="rId2">
-            <a:extLst>
-              <a:ext uri="{28A0092B-C50C-407E-A947-70E740481C1C}">
-                <a14:useLocalDpi xmlns:a14="http://schemas.microsoft.com/office/drawing/2010/main" val="0"/>
-              </a:ext>
-            </a:extLst>
-          </a:blip>
-          <a:stretch>
-            <a:fillRect/>
-          </a:stretch>
-        </p:blipFill>
-        <p:spPr>
-          <a:xfrm>
-            <a:off x="4370347" y="1825625"/>
-            <a:ext cx="3451305" cy="4351338"/>
-          </a:xfrm>
-        </p:spPr>
-      </p:pic>
-    </p:spTree>
-    <p:extLst>
-      <p:ext uri="{BB962C8B-B14F-4D97-AF65-F5344CB8AC3E}">
-        <p14:creationId xmlns:p14="http://schemas.microsoft.com/office/powerpoint/2010/main" val="1119018272"/>
-      </p:ext>
-    </p:extLst>
-  </p:cSld>
-  <p:clrMapOvr>
-    <a:masterClrMapping/>
-  </p:clrMapOvr>
-  <mc:AlternateContent xmlns:mc="http://schemas.openxmlformats.org/markup-compatibility/2006">
-    <mc:Choice xmlns:p14="http://schemas.microsoft.com/office/powerpoint/2010/main" Requires="p14">
-      <p:transition spd="slow" p14:dur="2000" advTm="22287"/>
-    </mc:Choice>
-    <mc:Fallback>
-      <p:transition spd="slow" advTm="22287"/>
-    </mc:Fallback>
-  </mc:AlternateContent>
-</p:sld>
-</file>
-
-<file path=ppt/slides/slide7.xml><?xml version="1.0" encoding="utf-8"?>
-<p:sld xmlns:a="http://schemas.openxmlformats.org/drawingml/2006/main" xmlns:r="http://schemas.openxmlformats.org/officeDocument/2006/relationships" xmlns:p="http://schemas.openxmlformats.org/presentationml/2006/main">
-  <p:cSld>
-    <p:spTree>
-      <p:nvGrpSpPr>
-        <p:cNvPr id="1" name=""/>
-        <p:cNvGrpSpPr/>
-        <p:nvPr/>
-      </p:nvGrpSpPr>
-      <p:grpSpPr>
-        <a:xfrm>
-          <a:off x="0" y="0"/>
-          <a:ext cx="0" cy="0"/>
-          <a:chOff x="0" y="0"/>
-          <a:chExt cx="0" cy="0"/>
-        </a:xfrm>
-      </p:grpSpPr>
-      <p:sp>
-        <p:nvSpPr>
-          <p:cNvPr id="2" name="Title 1">
-            <a:extLst>
-              <a:ext uri="{FF2B5EF4-FFF2-40B4-BE49-F238E27FC236}">
                 <a16:creationId xmlns:a16="http://schemas.microsoft.com/office/drawing/2014/main" id="{488288C9-F16A-4BBC-BF72-E6CA2FE44DA6}"/>
               </a:ext>
             </a:extLst>
@@ -6182,18 +5919,18 @@
   <p:clrMapOvr>
     <a:masterClrMapping/>
   </p:clrMapOvr>
-  <mc:AlternateContent xmlns:mc="http://schemas.openxmlformats.org/markup-compatibility/2006">
-    <mc:Choice xmlns:p14="http://schemas.microsoft.com/office/powerpoint/2010/main" Requires="p14">
+  <mc:AlternateContent xmlns:mc="http://schemas.openxmlformats.org/markup-compatibility/2006" xmlns:p14="http://schemas.microsoft.com/office/powerpoint/2010/main">
+    <mc:Choice Requires="p14">
       <p:transition spd="slow" p14:dur="2000" advTm="16547"/>
     </mc:Choice>
-    <mc:Fallback>
+    <mc:Fallback xmlns="">
       <p:transition spd="slow" advTm="16547"/>
     </mc:Fallback>
   </mc:AlternateContent>
 </p:sld>
 </file>
 
-<file path=ppt/slides/slide8.xml><?xml version="1.0" encoding="utf-8"?>
+<file path=ppt/slides/slide7.xml><?xml version="1.0" encoding="utf-8"?>
 <p:sld xmlns:a="http://schemas.openxmlformats.org/drawingml/2006/main" xmlns:r="http://schemas.openxmlformats.org/officeDocument/2006/relationships" xmlns:p="http://schemas.openxmlformats.org/presentationml/2006/main">
   <p:cSld>
     <p:spTree>
@@ -6310,12 +6047,140 @@
   <p:clrMapOvr>
     <a:masterClrMapping/>
   </p:clrMapOvr>
-  <mc:AlternateContent xmlns:mc="http://schemas.openxmlformats.org/markup-compatibility/2006">
-    <mc:Choice xmlns:p14="http://schemas.microsoft.com/office/powerpoint/2010/main" Requires="p14">
+  <mc:AlternateContent xmlns:mc="http://schemas.openxmlformats.org/markup-compatibility/2006" xmlns:p14="http://schemas.microsoft.com/office/powerpoint/2010/main">
+    <mc:Choice Requires="p14">
       <p:transition spd="slow" p14:dur="2000" advTm="3023"/>
     </mc:Choice>
-    <mc:Fallback>
+    <mc:Fallback xmlns="">
       <p:transition spd="slow" advTm="3023"/>
+    </mc:Fallback>
+  </mc:AlternateContent>
+</p:sld>
+</file>
+
+<file path=ppt/slides/slide8.xml><?xml version="1.0" encoding="utf-8"?>
+<p:sld xmlns:a="http://schemas.openxmlformats.org/drawingml/2006/main" xmlns:r="http://schemas.openxmlformats.org/officeDocument/2006/relationships" xmlns:p="http://schemas.openxmlformats.org/presentationml/2006/main">
+  <p:cSld>
+    <p:spTree>
+      <p:nvGrpSpPr>
+        <p:cNvPr id="1" name=""/>
+        <p:cNvGrpSpPr/>
+        <p:nvPr/>
+      </p:nvGrpSpPr>
+      <p:grpSpPr>
+        <a:xfrm>
+          <a:off x="0" y="0"/>
+          <a:ext cx="0" cy="0"/>
+          <a:chOff x="0" y="0"/>
+          <a:chExt cx="0" cy="0"/>
+        </a:xfrm>
+      </p:grpSpPr>
+      <p:sp>
+        <p:nvSpPr>
+          <p:cNvPr id="2" name="Title 1">
+            <a:extLst>
+              <a:ext uri="{FF2B5EF4-FFF2-40B4-BE49-F238E27FC236}">
+                <a16:creationId xmlns:a16="http://schemas.microsoft.com/office/drawing/2014/main" id="{488288C9-F16A-4BBC-BF72-E6CA2FE44DA6}"/>
+              </a:ext>
+            </a:extLst>
+          </p:cNvPr>
+          <p:cNvSpPr>
+            <a:spLocks noGrp="1"/>
+          </p:cNvSpPr>
+          <p:nvPr>
+            <p:ph type="title"/>
+          </p:nvPr>
+        </p:nvSpPr>
+        <p:spPr/>
+        <p:txBody>
+          <a:bodyPr/>
+          <a:lstStyle/>
+          <a:p>
+            <a:r>
+              <a:rPr lang="en-GB" dirty="0"/>
+              <a:t>The SOLID principles</a:t>
+            </a:r>
+          </a:p>
+        </p:txBody>
+      </p:sp>
+      <p:sp>
+        <p:nvSpPr>
+          <p:cNvPr id="3" name="Content Placeholder 2">
+            <a:extLst>
+              <a:ext uri="{FF2B5EF4-FFF2-40B4-BE49-F238E27FC236}">
+                <a16:creationId xmlns:a16="http://schemas.microsoft.com/office/drawing/2014/main" id="{70217986-E5EA-4924-B7BD-4AAB2CEDC370}"/>
+              </a:ext>
+            </a:extLst>
+          </p:cNvPr>
+          <p:cNvSpPr>
+            <a:spLocks noGrp="1"/>
+          </p:cNvSpPr>
+          <p:nvPr>
+            <p:ph idx="1"/>
+          </p:nvPr>
+        </p:nvSpPr>
+        <p:spPr/>
+        <p:txBody>
+          <a:bodyPr/>
+          <a:lstStyle/>
+          <a:p>
+            <a:r>
+              <a:rPr lang="en-GB" dirty="0"/>
+              <a:t>Single Responsibility Principle  </a:t>
+            </a:r>
+          </a:p>
+          <a:p>
+            <a:r>
+              <a:rPr lang="en-GB" dirty="0"/>
+              <a:t>Open for extension closed for change Principle</a:t>
+            </a:r>
+          </a:p>
+          <a:p>
+            <a:r>
+              <a:rPr lang="en-GB" dirty="0" err="1"/>
+              <a:t>Liskov</a:t>
+            </a:r>
+            <a:r>
+              <a:rPr lang="en-GB" dirty="0"/>
+              <a:t> Substitution Principle</a:t>
+            </a:r>
+          </a:p>
+          <a:p>
+            <a:r>
+              <a:rPr lang="en-GB" dirty="0"/>
+              <a:t>Interface Segregation Principle </a:t>
+            </a:r>
+          </a:p>
+          <a:p>
+            <a:r>
+              <a:rPr lang="en-GB" dirty="0"/>
+              <a:t>Dependence Inversion Principle</a:t>
+            </a:r>
+          </a:p>
+          <a:p>
+            <a:pPr marL="0" indent="0">
+              <a:buNone/>
+            </a:pPr>
+            <a:endParaRPr lang="en-GB" dirty="0"/>
+          </a:p>
+        </p:txBody>
+      </p:sp>
+    </p:spTree>
+    <p:extLst>
+      <p:ext uri="{BB962C8B-B14F-4D97-AF65-F5344CB8AC3E}">
+        <p14:creationId xmlns:p14="http://schemas.microsoft.com/office/powerpoint/2010/main" val="2886802197"/>
+      </p:ext>
+    </p:extLst>
+  </p:cSld>
+  <p:clrMapOvr>
+    <a:masterClrMapping/>
+  </p:clrMapOvr>
+  <mc:AlternateContent xmlns:mc="http://schemas.openxmlformats.org/markup-compatibility/2006" xmlns:p14="http://schemas.microsoft.com/office/powerpoint/2010/main">
+    <mc:Choice Requires="p14">
+      <p:transition spd="slow" p14:dur="2000" advTm="285279"/>
+    </mc:Choice>
+    <mc:Fallback xmlns="">
+      <p:transition spd="slow" advTm="285279"/>
     </mc:Fallback>
   </mc:AlternateContent>
 </p:sld>
@@ -6361,7 +6226,7 @@
           <a:p>
             <a:r>
               <a:rPr lang="en-GB" dirty="0"/>
-              <a:t>The SOLID principles</a:t>
+              <a:t>Dependency Injection</a:t>
             </a:r>
           </a:p>
         </p:txBody>
@@ -6389,35 +6254,27 @@
           <a:p>
             <a:r>
               <a:rPr lang="en-GB" dirty="0"/>
-              <a:t>Single Responsibility Principle  </a:t>
-            </a:r>
-          </a:p>
-          <a:p>
+              <a:t>Using Auto </a:t>
+            </a:r>
+            <a:r>
+              <a:rPr lang="en-GB" dirty="0" err="1"/>
+              <a:t>Fac</a:t>
+            </a:r>
             <a:r>
               <a:rPr lang="en-GB" dirty="0"/>
-              <a:t>Open for extension closed for change Principle</a:t>
-            </a:r>
-          </a:p>
-          <a:p>
-            <a:r>
-              <a:rPr lang="en-GB" dirty="0" err="1"/>
-              <a:t>Liskov</a:t>
-            </a:r>
+              <a:t> </a:t>
+            </a:r>
+          </a:p>
+          <a:p>
             <a:r>
               <a:rPr lang="en-GB" dirty="0"/>
-              <a:t> Substitution Principle</a:t>
+              <a:t>Gives us full control over how we call our classes and makes code Testable</a:t>
             </a:r>
           </a:p>
           <a:p>
             <a:r>
               <a:rPr lang="en-GB" dirty="0"/>
-              <a:t>Interface Segregation Principle </a:t>
-            </a:r>
-          </a:p>
-          <a:p>
-            <a:r>
-              <a:rPr lang="en-GB" dirty="0"/>
-              <a:t>Dependence Inversion Principle</a:t>
+              <a:t>Set it up.</a:t>
             </a:r>
           </a:p>
           <a:p>
@@ -6426,12 +6283,48 @@
             </a:pPr>
             <a:endParaRPr lang="en-GB" dirty="0"/>
           </a:p>
-        </p:txBody>
-      </p:sp>
+          <a:p>
+            <a:pPr marL="0" indent="0">
+              <a:buNone/>
+            </a:pPr>
+            <a:endParaRPr lang="en-GB" dirty="0"/>
+          </a:p>
+        </p:txBody>
+      </p:sp>
+      <p:pic>
+        <p:nvPicPr>
+          <p:cNvPr id="4" name="Picture 3">
+            <a:extLst>
+              <a:ext uri="{FF2B5EF4-FFF2-40B4-BE49-F238E27FC236}">
+                <a16:creationId xmlns:a16="http://schemas.microsoft.com/office/drawing/2014/main" id="{61E69686-C13D-4B10-87F8-75C2FB9A79B5}"/>
+              </a:ext>
+            </a:extLst>
+          </p:cNvPr>
+          <p:cNvPicPr>
+            <a:picLocks noChangeAspect="1"/>
+          </p:cNvPicPr>
+          <p:nvPr/>
+        </p:nvPicPr>
+        <p:blipFill>
+          <a:blip r:embed="rId2"/>
+          <a:stretch>
+            <a:fillRect/>
+          </a:stretch>
+        </p:blipFill>
+        <p:spPr>
+          <a:xfrm>
+            <a:off x="744280" y="3872577"/>
+            <a:ext cx="8749819" cy="2859558"/>
+          </a:xfrm>
+          <a:prstGeom prst="rect">
+            <a:avLst/>
+          </a:prstGeom>
+        </p:spPr>
+      </p:pic>
     </p:spTree>
     <p:extLst>
       <p:ext uri="{BB962C8B-B14F-4D97-AF65-F5344CB8AC3E}">
-        <p14:creationId xmlns:p14="http://schemas.microsoft.com/office/powerpoint/2010/main" val="2886802197"/>
+        <p14:creationId xmlns:p14="http://schemas.microsoft.com/office/powerpoint/2010/main" val="489318972"/>
       </p:ext>
     </p:extLst>
   </p:cSld>
@@ -6440,10 +6333,10 @@
   </p:clrMapOvr>
   <mc:AlternateContent xmlns:mc="http://schemas.openxmlformats.org/markup-compatibility/2006" xmlns:p14="http://schemas.microsoft.com/office/powerpoint/2010/main">
     <mc:Choice Requires="p14">
-      <p:transition spd="slow" p14:dur="2000" advTm="285279"/>
+      <p:transition spd="slow" p14:dur="2000" advTm="21951"/>
     </mc:Choice>
     <mc:Fallback xmlns="">
-      <p:transition spd="slow" advTm="285279"/>
+      <p:transition spd="slow" advTm="21951"/>
     </mc:Fallback>
   </mc:AlternateContent>
 </p:sld>
